--- a/test/pptx/code-custom/output.pptx
+++ b/test/pptx/code-custom/output.pptx
@@ -2587,7 +2587,7 @@
 </file>
 
 <file path=ppt/slideMasters/slideMaster1.xml><?xml version="1.0" encoding="utf-8"?>
-<p:sldMaster xmlns:a="http://schemas.openxmlformats.org/drawingml/2006/main" xmlns:r="http://schemas.openxmlformats.org/officeDocument/2006/relationships" xmlns:p="http://schemas.openxmlformats.org/presentationml/2006/main">
+<p:sldMaster xmlns:a="http://schemas.openxmlformats.org/drawingml/2006/main" xmlns:p="http://schemas.openxmlformats.org/presentationml/2006/main" xmlns:r="http://schemas.openxmlformats.org/officeDocument/2006/relationships">
   <p:cSld>
     <p:bg>
       <p:bgRef idx="1001">
@@ -2628,7 +2628,7 @@
           </a:prstGeom>
         </p:spPr>
         <p:txBody>
-          <a:bodyPr vert="horz" lIns="91440" tIns="45720" rIns="91440" bIns="45720" rtlCol="0" anchor="ctr">
+          <a:bodyPr anchor="ctr" bIns="45720" lIns="91440" rIns="91440" rtlCol="0" tIns="45720" vert="horz">
             <a:normAutofit/>
           </a:bodyPr>
           <a:lstStyle/>
@@ -2648,7 +2648,7 @@
             <a:spLocks noGrp="1"/>
           </p:cNvSpPr>
           <p:nvPr>
-            <p:ph type="body" idx="1"/>
+            <p:ph idx="1" type="body"/>
           </p:nvPr>
         </p:nvSpPr>
         <p:spPr>
@@ -2661,7 +2661,7 @@
           </a:prstGeom>
         </p:spPr>
         <p:txBody>
-          <a:bodyPr vert="horz" lIns="91440" tIns="45720" rIns="91440" bIns="45720" rtlCol="0">
+          <a:bodyPr bIns="45720" lIns="91440" rIns="91440" rtlCol="0" tIns="45720" vert="horz">
             <a:normAutofit/>
           </a:bodyPr>
           <a:lstStyle/>
@@ -2710,7 +2710,7 @@
             <a:spLocks noGrp="1"/>
           </p:cNvSpPr>
           <p:nvPr>
-            <p:ph type="dt" sz="half" idx="2"/>
+            <p:ph idx="2" sz="half" type="dt"/>
           </p:nvPr>
         </p:nvSpPr>
         <p:spPr>
@@ -2723,7 +2723,7 @@
           </a:prstGeom>
         </p:spPr>
         <p:txBody>
-          <a:bodyPr vert="horz" lIns="91440" tIns="45720" rIns="91440" bIns="45720" rtlCol="0" anchor="ctr"/>
+          <a:bodyPr anchor="ctr" bIns="45720" lIns="91440" rIns="91440" rtlCol="0" tIns="45720" vert="horz"/>
           <a:lstStyle>
             <a:lvl1pPr algn="l">
               <a:defRPr sz="1200">
@@ -2751,7 +2751,7 @@
             <a:spLocks noGrp="1"/>
           </p:cNvSpPr>
           <p:nvPr>
-            <p:ph type="ftr" sz="quarter" idx="3"/>
+            <p:ph idx="3" sz="quarter" type="ftr"/>
           </p:nvPr>
         </p:nvSpPr>
         <p:spPr>
@@ -2764,7 +2764,7 @@
           </a:prstGeom>
         </p:spPr>
         <p:txBody>
-          <a:bodyPr vert="horz" lIns="91440" tIns="45720" rIns="91440" bIns="45720" rtlCol="0" anchor="ctr"/>
+          <a:bodyPr anchor="ctr" bIns="45720" lIns="91440" rIns="91440" rtlCol="0" tIns="45720" vert="horz"/>
           <a:lstStyle>
             <a:lvl1pPr algn="ctr">
               <a:defRPr sz="1200">
@@ -2788,7 +2788,7 @@
             <a:spLocks noGrp="1"/>
           </p:cNvSpPr>
           <p:nvPr>
-            <p:ph type="sldNum" sz="quarter" idx="4"/>
+            <p:ph idx="4" sz="quarter" type="sldNum"/>
           </p:nvPr>
         </p:nvSpPr>
         <p:spPr>
@@ -2801,7 +2801,7 @@
           </a:prstGeom>
         </p:spPr>
         <p:txBody>
-          <a:bodyPr vert="horz" lIns="91440" tIns="45720" rIns="91440" bIns="45720" rtlCol="0" anchor="ctr"/>
+          <a:bodyPr anchor="ctr" bIns="45720" lIns="91440" rIns="91440" rtlCol="0" tIns="45720" vert="horz"/>
           <a:lstStyle>
             <a:lvl1pPr algn="r">
               <a:defRPr sz="1200">
@@ -2829,7 +2829,7 @@
       </p:ext>
     </p:extLst>
   </p:cSld>
-  <p:clrMap bg1="lt1" tx1="dk1" bg2="lt2" tx2="dk2" accent1="accent1" accent2="accent2" accent3="accent3" accent4="accent4" accent5="accent5" accent6="accent6" hlink="hlink" folHlink="folHlink"/>
+  <p:clrMap accent1="accent1" accent2="accent2" accent3="accent3" accent4="accent4" accent5="accent5" accent6="accent6" bg1="lt1" bg2="lt2" folHlink="folHlink" hlink="hlink" tx1="dk1" tx2="dk2"/>
   <p:sldLayoutIdLst>
     <p:sldLayoutId id="2147483649" r:id="rId1"/>
     <p:sldLayoutId id="2147483650" r:id="rId2"/>
@@ -2845,12 +2845,12 @@
   </p:sldLayoutIdLst>
   <p:txStyles>
     <p:titleStyle>
-      <a:lvl1pPr algn="ctr" defTabSz="457200" rtl="0" eaLnBrk="1" latinLnBrk="0" hangingPunct="1">
+      <a:lvl1pPr algn="ctr" defTabSz="457200" eaLnBrk="1" hangingPunct="1" latinLnBrk="0" rtl="0">
         <a:spcBef>
           <a:spcPct val="0"/>
         </a:spcBef>
         <a:buNone/>
-        <a:defRPr sz="4400" kern="1200">
+        <a:defRPr kern="1200" sz="4400">
           <a:solidFill>
             <a:schemeClr val="tx1"/>
           </a:solidFill>
@@ -2861,13 +2861,13 @@
       </a:lvl1pPr>
     </p:titleStyle>
     <p:bodyStyle>
-      <a:lvl1pPr marL="342900" indent="-342900" algn="l" defTabSz="457200" rtl="0" eaLnBrk="1" latinLnBrk="0" hangingPunct="1">
+      <a:lvl1pPr algn="l" defTabSz="457200" eaLnBrk="1" hangingPunct="1" indent="-342900" latinLnBrk="0" marL="342900" rtl="0">
         <a:spcBef>
           <a:spcPct val="20000"/>
         </a:spcBef>
         <a:buFont typeface="Arial"/>
         <a:buChar char="•"/>
-        <a:defRPr sz="3200" kern="1200">
+        <a:defRPr kern="1200" sz="3200">
           <a:solidFill>
             <a:schemeClr val="tx1"/>
           </a:solidFill>
@@ -2876,13 +2876,13 @@
           <a:cs typeface="+mn-cs"/>
         </a:defRPr>
       </a:lvl1pPr>
-      <a:lvl2pPr marL="742950" indent="-285750" algn="l" defTabSz="457200" rtl="0" eaLnBrk="1" latinLnBrk="0" hangingPunct="1">
+      <a:lvl2pPr algn="l" defTabSz="457200" eaLnBrk="1" hangingPunct="1" indent="-285750" latinLnBrk="0" marL="742950" rtl="0">
         <a:spcBef>
           <a:spcPct val="20000"/>
         </a:spcBef>
         <a:buFont typeface="Arial"/>
         <a:buChar char="–"/>
-        <a:defRPr sz="2800" kern="1200">
+        <a:defRPr kern="1200" sz="2800">
           <a:solidFill>
             <a:schemeClr val="tx1"/>
           </a:solidFill>
@@ -2891,13 +2891,13 @@
           <a:cs typeface="+mn-cs"/>
         </a:defRPr>
       </a:lvl2pPr>
-      <a:lvl3pPr marL="1143000" indent="-228600" algn="l" defTabSz="457200" rtl="0" eaLnBrk="1" latinLnBrk="0" hangingPunct="1">
+      <a:lvl3pPr algn="l" defTabSz="457200" eaLnBrk="1" hangingPunct="1" indent="-228600" latinLnBrk="0" marL="1143000" rtl="0">
         <a:spcBef>
           <a:spcPct val="20000"/>
         </a:spcBef>
         <a:buFont typeface="Arial"/>
         <a:buChar char="•"/>
-        <a:defRPr sz="2400" kern="1200">
+        <a:defRPr kern="1200" sz="2400">
           <a:solidFill>
             <a:schemeClr val="tx1"/>
           </a:solidFill>
@@ -2906,13 +2906,13 @@
           <a:cs typeface="+mn-cs"/>
         </a:defRPr>
       </a:lvl3pPr>
-      <a:lvl4pPr marL="1600200" indent="-228600" algn="l" defTabSz="457200" rtl="0" eaLnBrk="1" latinLnBrk="0" hangingPunct="1">
+      <a:lvl4pPr algn="l" defTabSz="457200" eaLnBrk="1" hangingPunct="1" indent="-228600" latinLnBrk="0" marL="1600200" rtl="0">
         <a:spcBef>
           <a:spcPct val="20000"/>
         </a:spcBef>
         <a:buFont typeface="Arial"/>
         <a:buChar char="–"/>
-        <a:defRPr sz="2000" kern="1200">
+        <a:defRPr kern="1200" sz="2000">
           <a:solidFill>
             <a:schemeClr val="tx1"/>
           </a:solidFill>
@@ -2921,13 +2921,13 @@
           <a:cs typeface="+mn-cs"/>
         </a:defRPr>
       </a:lvl4pPr>
-      <a:lvl5pPr marL="2057400" indent="-228600" algn="l" defTabSz="457200" rtl="0" eaLnBrk="1" latinLnBrk="0" hangingPunct="1">
+      <a:lvl5pPr algn="l" defTabSz="457200" eaLnBrk="1" hangingPunct="1" indent="-228600" latinLnBrk="0" marL="2057400" rtl="0">
         <a:spcBef>
           <a:spcPct val="20000"/>
         </a:spcBef>
         <a:buFont typeface="Arial"/>
         <a:buChar char="»"/>
-        <a:defRPr sz="2000" kern="1200">
+        <a:defRPr kern="1200" sz="2000">
           <a:solidFill>
             <a:schemeClr val="tx1"/>
           </a:solidFill>
@@ -2936,13 +2936,13 @@
           <a:cs typeface="+mn-cs"/>
         </a:defRPr>
       </a:lvl5pPr>
-      <a:lvl6pPr marL="2514600" indent="-228600" algn="l" defTabSz="457200" rtl="0" eaLnBrk="1" latinLnBrk="0" hangingPunct="1">
+      <a:lvl6pPr algn="l" defTabSz="457200" eaLnBrk="1" hangingPunct="1" indent="-228600" latinLnBrk="0" marL="2514600" rtl="0">
         <a:spcBef>
           <a:spcPct val="20000"/>
         </a:spcBef>
         <a:buFont typeface="Arial"/>
         <a:buChar char="•"/>
-        <a:defRPr sz="2000" kern="1200">
+        <a:defRPr kern="1200" sz="2000">
           <a:solidFill>
             <a:schemeClr val="tx1"/>
           </a:solidFill>
@@ -2951,13 +2951,13 @@
           <a:cs typeface="+mn-cs"/>
         </a:defRPr>
       </a:lvl6pPr>
-      <a:lvl7pPr marL="2971800" indent="-228600" algn="l" defTabSz="457200" rtl="0" eaLnBrk="1" latinLnBrk="0" hangingPunct="1">
+      <a:lvl7pPr algn="l" defTabSz="457200" eaLnBrk="1" hangingPunct="1" indent="-228600" latinLnBrk="0" marL="2971800" rtl="0">
         <a:spcBef>
           <a:spcPct val="20000"/>
         </a:spcBef>
         <a:buFont typeface="Arial"/>
         <a:buChar char="•"/>
-        <a:defRPr sz="2000" kern="1200">
+        <a:defRPr kern="1200" sz="2000">
           <a:solidFill>
             <a:schemeClr val="tx1"/>
           </a:solidFill>
@@ -2966,13 +2966,13 @@
           <a:cs typeface="+mn-cs"/>
         </a:defRPr>
       </a:lvl7pPr>
-      <a:lvl8pPr marL="3429000" indent="-228600" algn="l" defTabSz="457200" rtl="0" eaLnBrk="1" latinLnBrk="0" hangingPunct="1">
+      <a:lvl8pPr algn="l" defTabSz="457200" eaLnBrk="1" hangingPunct="1" indent="-228600" latinLnBrk="0" marL="3429000" rtl="0">
         <a:spcBef>
           <a:spcPct val="20000"/>
         </a:spcBef>
         <a:buFont typeface="Arial"/>
         <a:buChar char="•"/>
-        <a:defRPr sz="2000" kern="1200">
+        <a:defRPr kern="1200" sz="2000">
           <a:solidFill>
             <a:schemeClr val="tx1"/>
           </a:solidFill>
@@ -2981,13 +2981,13 @@
           <a:cs typeface="+mn-cs"/>
         </a:defRPr>
       </a:lvl8pPr>
-      <a:lvl9pPr marL="3886200" indent="-228600" algn="l" defTabSz="457200" rtl="0" eaLnBrk="1" latinLnBrk="0" hangingPunct="1">
+      <a:lvl9pPr algn="l" defTabSz="457200" eaLnBrk="1" hangingPunct="1" indent="-228600" latinLnBrk="0" marL="3886200" rtl="0">
         <a:spcBef>
           <a:spcPct val="20000"/>
         </a:spcBef>
         <a:buFont typeface="Arial"/>
         <a:buChar char="•"/>
-        <a:defRPr sz="2000" kern="1200">
+        <a:defRPr kern="1200" sz="2000">
           <a:solidFill>
             <a:schemeClr val="tx1"/>
           </a:solidFill>
@@ -3001,8 +3001,8 @@
       <a:defPPr>
         <a:defRPr lang="en-US"/>
       </a:defPPr>
-      <a:lvl1pPr marL="0" algn="l" defTabSz="457200" rtl="0" eaLnBrk="1" latinLnBrk="0" hangingPunct="1">
-        <a:defRPr sz="1800" kern="1200">
+      <a:lvl1pPr algn="l" defTabSz="457200" eaLnBrk="1" hangingPunct="1" latinLnBrk="0" marL="0" rtl="0">
+        <a:defRPr kern="1200" sz="1800">
           <a:solidFill>
             <a:schemeClr val="tx1"/>
           </a:solidFill>
@@ -3011,8 +3011,8 @@
           <a:cs typeface="+mn-cs"/>
         </a:defRPr>
       </a:lvl1pPr>
-      <a:lvl2pPr marL="457200" algn="l" defTabSz="457200" rtl="0" eaLnBrk="1" latinLnBrk="0" hangingPunct="1">
-        <a:defRPr sz="1800" kern="1200">
+      <a:lvl2pPr algn="l" defTabSz="457200" eaLnBrk="1" hangingPunct="1" latinLnBrk="0" marL="457200" rtl="0">
+        <a:defRPr kern="1200" sz="1800">
           <a:solidFill>
             <a:schemeClr val="tx1"/>
           </a:solidFill>
@@ -3021,8 +3021,8 @@
           <a:cs typeface="+mn-cs"/>
         </a:defRPr>
       </a:lvl2pPr>
-      <a:lvl3pPr marL="914400" algn="l" defTabSz="457200" rtl="0" eaLnBrk="1" latinLnBrk="0" hangingPunct="1">
-        <a:defRPr sz="1800" kern="1200">
+      <a:lvl3pPr algn="l" defTabSz="457200" eaLnBrk="1" hangingPunct="1" latinLnBrk="0" marL="914400" rtl="0">
+        <a:defRPr kern="1200" sz="1800">
           <a:solidFill>
             <a:schemeClr val="tx1"/>
           </a:solidFill>
@@ -3031,8 +3031,8 @@
           <a:cs typeface="+mn-cs"/>
         </a:defRPr>
       </a:lvl3pPr>
-      <a:lvl4pPr marL="1371600" algn="l" defTabSz="457200" rtl="0" eaLnBrk="1" latinLnBrk="0" hangingPunct="1">
-        <a:defRPr sz="1800" kern="1200">
+      <a:lvl4pPr algn="l" defTabSz="457200" eaLnBrk="1" hangingPunct="1" latinLnBrk="0" marL="1371600" rtl="0">
+        <a:defRPr kern="1200" sz="1800">
           <a:solidFill>
             <a:schemeClr val="tx1"/>
           </a:solidFill>
@@ -3041,8 +3041,8 @@
           <a:cs typeface="+mn-cs"/>
         </a:defRPr>
       </a:lvl4pPr>
-      <a:lvl5pPr marL="1828800" algn="l" defTabSz="457200" rtl="0" eaLnBrk="1" latinLnBrk="0" hangingPunct="1">
-        <a:defRPr sz="1800" kern="1200">
+      <a:lvl5pPr algn="l" defTabSz="457200" eaLnBrk="1" hangingPunct="1" latinLnBrk="0" marL="1828800" rtl="0">
+        <a:defRPr kern="1200" sz="1800">
           <a:solidFill>
             <a:schemeClr val="tx1"/>
           </a:solidFill>
@@ -3051,8 +3051,8 @@
           <a:cs typeface="+mn-cs"/>
         </a:defRPr>
       </a:lvl5pPr>
-      <a:lvl6pPr marL="2286000" algn="l" defTabSz="457200" rtl="0" eaLnBrk="1" latinLnBrk="0" hangingPunct="1">
-        <a:defRPr sz="1800" kern="1200">
+      <a:lvl6pPr algn="l" defTabSz="457200" eaLnBrk="1" hangingPunct="1" latinLnBrk="0" marL="2286000" rtl="0">
+        <a:defRPr kern="1200" sz="1800">
           <a:solidFill>
             <a:schemeClr val="tx1"/>
           </a:solidFill>
@@ -3061,8 +3061,8 @@
           <a:cs typeface="+mn-cs"/>
         </a:defRPr>
       </a:lvl6pPr>
-      <a:lvl7pPr marL="2743200" algn="l" defTabSz="457200" rtl="0" eaLnBrk="1" latinLnBrk="0" hangingPunct="1">
-        <a:defRPr sz="1800" kern="1200">
+      <a:lvl7pPr algn="l" defTabSz="457200" eaLnBrk="1" hangingPunct="1" latinLnBrk="0" marL="2743200" rtl="0">
+        <a:defRPr kern="1200" sz="1800">
           <a:solidFill>
             <a:schemeClr val="tx1"/>
           </a:solidFill>
@@ -3071,8 +3071,8 @@
           <a:cs typeface="+mn-cs"/>
         </a:defRPr>
       </a:lvl7pPr>
-      <a:lvl8pPr marL="3200400" algn="l" defTabSz="457200" rtl="0" eaLnBrk="1" latinLnBrk="0" hangingPunct="1">
-        <a:defRPr sz="1800" kern="1200">
+      <a:lvl8pPr algn="l" defTabSz="457200" eaLnBrk="1" hangingPunct="1" latinLnBrk="0" marL="3200400" rtl="0">
+        <a:defRPr kern="1200" sz="1800">
           <a:solidFill>
             <a:schemeClr val="tx1"/>
           </a:solidFill>
@@ -3081,8 +3081,8 @@
           <a:cs typeface="+mn-cs"/>
         </a:defRPr>
       </a:lvl8pPr>
-      <a:lvl9pPr marL="3657600" algn="l" defTabSz="457200" rtl="0" eaLnBrk="1" latinLnBrk="0" hangingPunct="1">
-        <a:defRPr sz="1800" kern="1200">
+      <a:lvl9pPr algn="l" defTabSz="457200" eaLnBrk="1" hangingPunct="1" latinLnBrk="0" marL="3657600" rtl="0">
+        <a:defRPr kern="1200" sz="1800">
           <a:solidFill>
             <a:schemeClr val="tx1"/>
           </a:solidFill>
@@ -3953,4 +3953,265 @@
   </a:objectDefaults>
   <a:extraClrSchemeLst/>
 </a:theme>
+</file>
+
+<file path=ppt/theme/theme2.xml><?xml version="1.0" encoding="utf-8"?>
+<a:theme xmlns:a="http://schemas.openxmlformats.org/drawingml/2006/main" name="Office Theme">
+  <a:themeElements>
+    <a:clrScheme name="Office">
+      <a:dk1>
+        <a:sysClr val="windowText" lastClr="000000"/>
+      </a:dk1>
+      <a:lt1>
+        <a:sysClr val="window" lastClr="FFFFFF"/>
+      </a:lt1>
+      <a:dk2>
+        <a:srgbClr val="44546A"/>
+      </a:dk2>
+      <a:lt2>
+        <a:srgbClr val="E7E6E6"/>
+      </a:lt2>
+      <a:accent1>
+        <a:srgbClr val="5B9BD5"/>
+      </a:accent1>
+      <a:accent2>
+        <a:srgbClr val="ED7D31"/>
+      </a:accent2>
+      <a:accent3>
+        <a:srgbClr val="A5A5A5"/>
+      </a:accent3>
+      <a:accent4>
+        <a:srgbClr val="FFC000"/>
+      </a:accent4>
+      <a:accent5>
+        <a:srgbClr val="4472C4"/>
+      </a:accent5>
+      <a:accent6>
+        <a:srgbClr val="70AD47"/>
+      </a:accent6>
+      <a:hlink>
+        <a:srgbClr val="0563C1"/>
+      </a:hlink>
+      <a:folHlink>
+        <a:srgbClr val="954F72"/>
+      </a:folHlink>
+    </a:clrScheme>
+    <a:fontScheme name="Office">
+      <a:majorFont>
+        <a:latin typeface="Calibri Light" panose="020F0302020204030204"/>
+        <a:ea typeface=""/>
+        <a:cs typeface=""/>
+        <a:font script="Jpan" typeface="ＭＳ Ｐゴシック"/>
+        <a:font script="Hang" typeface="맑은 고딕"/>
+        <a:font script="Hans" typeface="宋体"/>
+        <a:font script="Hant" typeface="新細明體"/>
+        <a:font script="Arab" typeface="Times New Roman"/>
+        <a:font script="Hebr" typeface="Times New Roman"/>
+        <a:font script="Thai" typeface="Angsana New"/>
+        <a:font script="Ethi" typeface="Nyala"/>
+        <a:font script="Beng" typeface="Vrinda"/>
+        <a:font script="Gujr" typeface="Shruti"/>
+        <a:font script="Khmr" typeface="MoolBoran"/>
+        <a:font script="Knda" typeface="Tunga"/>
+        <a:font script="Guru" typeface="Raavi"/>
+        <a:font script="Cans" typeface="Euphemia"/>
+        <a:font script="Cher" typeface="Plantagenet Cherokee"/>
+        <a:font script="Yiii" typeface="Microsoft Yi Baiti"/>
+        <a:font script="Tibt" typeface="Microsoft Himalaya"/>
+        <a:font script="Thaa" typeface="MV Boli"/>
+        <a:font script="Deva" typeface="Mangal"/>
+        <a:font script="Telu" typeface="Gautami"/>
+        <a:font script="Taml" typeface="Latha"/>
+        <a:font script="Syrc" typeface="Estrangelo Edessa"/>
+        <a:font script="Orya" typeface="Kalinga"/>
+        <a:font script="Mlym" typeface="Kartika"/>
+        <a:font script="Laoo" typeface="DokChampa"/>
+        <a:font script="Sinh" typeface="Iskoola Pota"/>
+        <a:font script="Mong" typeface="Mongolian Baiti"/>
+        <a:font script="Viet" typeface="Times New Roman"/>
+        <a:font script="Uigh" typeface="Microsoft Uighur"/>
+        <a:font script="Geor" typeface="Sylfaen"/>
+      </a:majorFont>
+      <a:minorFont>
+        <a:latin typeface="Calibri" panose="020F0502020204030204"/>
+        <a:ea typeface=""/>
+        <a:cs typeface=""/>
+        <a:font script="Jpan" typeface="ＭＳ Ｐゴシック"/>
+        <a:font script="Hang" typeface="맑은 고딕"/>
+        <a:font script="Hans" typeface="宋体"/>
+        <a:font script="Hant" typeface="新細明體"/>
+        <a:font script="Arab" typeface="Arial"/>
+        <a:font script="Hebr" typeface="Arial"/>
+        <a:font script="Thai" typeface="Cordia New"/>
+        <a:font script="Ethi" typeface="Nyala"/>
+        <a:font script="Beng" typeface="Vrinda"/>
+        <a:font script="Gujr" typeface="Shruti"/>
+        <a:font script="Khmr" typeface="DaunPenh"/>
+        <a:font script="Knda" typeface="Tunga"/>
+        <a:font script="Guru" typeface="Raavi"/>
+        <a:font script="Cans" typeface="Euphemia"/>
+        <a:font script="Cher" typeface="Plantagenet Cherokee"/>
+        <a:font script="Yiii" typeface="Microsoft Yi Baiti"/>
+        <a:font script="Tibt" typeface="Microsoft Himalaya"/>
+        <a:font script="Thaa" typeface="MV Boli"/>
+        <a:font script="Deva" typeface="Mangal"/>
+        <a:font script="Telu" typeface="Gautami"/>
+        <a:font script="Taml" typeface="Latha"/>
+        <a:font script="Syrc" typeface="Estrangelo Edessa"/>
+        <a:font script="Orya" typeface="Kalinga"/>
+        <a:font script="Mlym" typeface="Kartika"/>
+        <a:font script="Laoo" typeface="DokChampa"/>
+        <a:font script="Sinh" typeface="Iskoola Pota"/>
+        <a:font script="Mong" typeface="Mongolian Baiti"/>
+        <a:font script="Viet" typeface="Arial"/>
+        <a:font script="Uigh" typeface="Microsoft Uighur"/>
+        <a:font script="Geor" typeface="Sylfaen"/>
+      </a:minorFont>
+    </a:fontScheme>
+    <a:fmtScheme name="Office">
+      <a:fillStyleLst>
+        <a:solidFill>
+          <a:schemeClr val="phClr"/>
+        </a:solidFill>
+        <a:gradFill rotWithShape="1">
+          <a:gsLst>
+            <a:gs pos="0">
+              <a:schemeClr val="phClr">
+                <a:lumMod val="110000"/>
+                <a:satMod val="105000"/>
+                <a:tint val="67000"/>
+              </a:schemeClr>
+            </a:gs>
+            <a:gs pos="50000">
+              <a:schemeClr val="phClr">
+                <a:lumMod val="105000"/>
+                <a:satMod val="103000"/>
+                <a:tint val="73000"/>
+              </a:schemeClr>
+            </a:gs>
+            <a:gs pos="100000">
+              <a:schemeClr val="phClr">
+                <a:lumMod val="105000"/>
+                <a:satMod val="109000"/>
+                <a:tint val="81000"/>
+              </a:schemeClr>
+            </a:gs>
+          </a:gsLst>
+          <a:lin ang="5400000" scaled="0"/>
+        </a:gradFill>
+        <a:gradFill rotWithShape="1">
+          <a:gsLst>
+            <a:gs pos="0">
+              <a:schemeClr val="phClr">
+                <a:satMod val="103000"/>
+                <a:lumMod val="102000"/>
+                <a:tint val="94000"/>
+              </a:schemeClr>
+            </a:gs>
+            <a:gs pos="50000">
+              <a:schemeClr val="phClr">
+                <a:satMod val="110000"/>
+                <a:lumMod val="100000"/>
+                <a:shade val="100000"/>
+              </a:schemeClr>
+            </a:gs>
+            <a:gs pos="100000">
+              <a:schemeClr val="phClr">
+                <a:lumMod val="99000"/>
+                <a:satMod val="120000"/>
+                <a:shade val="78000"/>
+              </a:schemeClr>
+            </a:gs>
+          </a:gsLst>
+          <a:lin ang="5400000" scaled="0"/>
+        </a:gradFill>
+      </a:fillStyleLst>
+      <a:lnStyleLst>
+        <a:ln w="6350" cap="flat" cmpd="sng" algn="ctr">
+          <a:solidFill>
+            <a:schemeClr val="phClr"/>
+          </a:solidFill>
+          <a:prstDash val="solid"/>
+          <a:miter lim="800000"/>
+        </a:ln>
+        <a:ln w="12700" cap="flat" cmpd="sng" algn="ctr">
+          <a:solidFill>
+            <a:schemeClr val="phClr"/>
+          </a:solidFill>
+          <a:prstDash val="solid"/>
+          <a:miter lim="800000"/>
+        </a:ln>
+        <a:ln w="19050" cap="flat" cmpd="sng" algn="ctr">
+          <a:solidFill>
+            <a:schemeClr val="phClr"/>
+          </a:solidFill>
+          <a:prstDash val="solid"/>
+          <a:miter lim="800000"/>
+        </a:ln>
+      </a:lnStyleLst>
+      <a:effectStyleLst>
+        <a:effectStyle>
+          <a:effectLst/>
+        </a:effectStyle>
+        <a:effectStyle>
+          <a:effectLst/>
+        </a:effectStyle>
+        <a:effectStyle>
+          <a:effectLst>
+            <a:outerShdw blurRad="57150" dist="19050" dir="5400000" algn="ctr" rotWithShape="0">
+              <a:srgbClr val="000000">
+                <a:alpha val="63000"/>
+              </a:srgbClr>
+            </a:outerShdw>
+          </a:effectLst>
+        </a:effectStyle>
+      </a:effectStyleLst>
+      <a:bgFillStyleLst>
+        <a:solidFill>
+          <a:schemeClr val="phClr"/>
+        </a:solidFill>
+        <a:solidFill>
+          <a:schemeClr val="phClr">
+            <a:tint val="95000"/>
+            <a:satMod val="170000"/>
+          </a:schemeClr>
+        </a:solidFill>
+        <a:gradFill rotWithShape="1">
+          <a:gsLst>
+            <a:gs pos="0">
+              <a:schemeClr val="phClr">
+                <a:tint val="93000"/>
+                <a:satMod val="150000"/>
+                <a:shade val="98000"/>
+                <a:lumMod val="102000"/>
+              </a:schemeClr>
+            </a:gs>
+            <a:gs pos="50000">
+              <a:schemeClr val="phClr">
+                <a:tint val="98000"/>
+                <a:satMod val="130000"/>
+                <a:shade val="90000"/>
+                <a:lumMod val="103000"/>
+              </a:schemeClr>
+            </a:gs>
+            <a:gs pos="100000">
+              <a:schemeClr val="phClr">
+                <a:shade val="63000"/>
+                <a:satMod val="120000"/>
+              </a:schemeClr>
+            </a:gs>
+          </a:gsLst>
+          <a:lin ang="5400000" scaled="0"/>
+        </a:gradFill>
+      </a:bgFillStyleLst>
+    </a:fmtScheme>
+  </a:themeElements>
+  <a:objectDefaults/>
+  <a:extraClrSchemeLst/>
+  <a:extLst>
+    <a:ext uri="{05A4C25C-085E-4340-85A3-A5531E510DB2}">
+      <thm15:themeFamily xmlns:thm15="http://schemas.microsoft.com/office/thememl/2012/main" name="Office Theme" id="{62F939B6-93AF-4DB8-9C6B-D6C7DFDC589F}" vid="{4A3C46E8-61CC-4603-A589-7422A47A8E4A}"/>
+    </a:ext>
+  </a:extLst>
+</a:theme>
 </file>
--- a/test/pptx/code-custom/output.pptx
+++ b/test/pptx/code-custom/output.pptx
@@ -3170,7 +3170,7 @@
             </a:r>
           </a:p>
           <a:p>
-            <a:pPr lvl="1"/>
+            <a:pPr lvl="0"/>
             <a:r>
               <a:rPr/>
               <a:t>Bullet item with </a:t>
@@ -3194,7 +3194,7 @@
             </a:r>
           </a:p>
           <a:p>
-            <a:pPr lvl="2"/>
+            <a:pPr lvl="1"/>
             <a:r>
               <a:rPr/>
               <a:t>with </a:t>
@@ -3376,7 +3376,7 @@
             </a:r>
           </a:p>
           <a:p>
-            <a:pPr lvl="1"/>
+            <a:pPr lvl="0"/>
             <a:r>
               <a:rPr/>
               <a:t>Nested</a:t>
@@ -3551,7 +3551,7 @@
           <a:bodyPr/>
           <a:lstStyle/>
           <a:p>
-            <a:pPr lvl="1"/>
+            <a:pPr lvl="0"/>
             <a:r>
               <a:rPr/>
               <a:t>A total alternative for </a:t>

--- a/test/pptx/code-custom/output.pptx
+++ b/test/pptx/code-custom/output.pptx
@@ -2861,7 +2861,7 @@
       </a:lvl1pPr>
     </p:titleStyle>
     <p:bodyStyle>
-      <a:lvl1pPr algn="l" defTabSz="457200" eaLnBrk="1" hangingPunct="1" indent="-342900" latinLnBrk="0" marL="342900" rtl="0">
+      <a:lvl1pPr algn="l" defTabSz="457200" eaLnBrk="1" hangingPunct="1" indent="-457200" latinLnBrk="0" marL="457200" rtl="0">
         <a:spcBef>
           <a:spcPct val="20000"/>
         </a:spcBef>
@@ -2876,7 +2876,7 @@
           <a:cs typeface="+mn-cs"/>
         </a:defRPr>
       </a:lvl1pPr>
-      <a:lvl2pPr algn="l" defTabSz="457200" eaLnBrk="1" hangingPunct="1" indent="-285750" latinLnBrk="0" marL="742950" rtl="0">
+      <a:lvl2pPr algn="l" defTabSz="457200" eaLnBrk="1" hangingPunct="1" indent="-457200" latinLnBrk="0" marL="914400" rtl="0">
         <a:spcBef>
           <a:spcPct val="20000"/>
         </a:spcBef>
@@ -2891,7 +2891,7 @@
           <a:cs typeface="+mn-cs"/>
         </a:defRPr>
       </a:lvl2pPr>
-      <a:lvl3pPr algn="l" defTabSz="457200" eaLnBrk="1" hangingPunct="1" indent="-228600" latinLnBrk="0" marL="1143000" rtl="0">
+      <a:lvl3pPr algn="l" defTabSz="457200" eaLnBrk="1" hangingPunct="1" indent="-457200" latinLnBrk="0" marL="1371600" rtl="0">
         <a:spcBef>
           <a:spcPct val="20000"/>
         </a:spcBef>
@@ -2906,7 +2906,7 @@
           <a:cs typeface="+mn-cs"/>
         </a:defRPr>
       </a:lvl3pPr>
-      <a:lvl4pPr algn="l" defTabSz="457200" eaLnBrk="1" hangingPunct="1" indent="-228600" latinLnBrk="0" marL="1600200" rtl="0">
+      <a:lvl4pPr algn="l" defTabSz="457200" eaLnBrk="1" hangingPunct="1" indent="-457200" latinLnBrk="0" marL="1828800" rtl="0">
         <a:spcBef>
           <a:spcPct val="20000"/>
         </a:spcBef>
@@ -2921,7 +2921,7 @@
           <a:cs typeface="+mn-cs"/>
         </a:defRPr>
       </a:lvl4pPr>
-      <a:lvl5pPr algn="l" defTabSz="457200" eaLnBrk="1" hangingPunct="1" indent="-228600" latinLnBrk="0" marL="2057400" rtl="0">
+      <a:lvl5pPr algn="l" defTabSz="457200" eaLnBrk="1" hangingPunct="1" indent="-457200" latinLnBrk="0" marL="2286000" rtl="0">
         <a:spcBef>
           <a:spcPct val="20000"/>
         </a:spcBef>
@@ -2936,7 +2936,7 @@
           <a:cs typeface="+mn-cs"/>
         </a:defRPr>
       </a:lvl5pPr>
-      <a:lvl6pPr algn="l" defTabSz="457200" eaLnBrk="1" hangingPunct="1" indent="-228600" latinLnBrk="0" marL="2514600" rtl="0">
+      <a:lvl6pPr algn="l" defTabSz="457200" eaLnBrk="1" hangingPunct="1" indent="-457200" latinLnBrk="0" marL="2743200" rtl="0">
         <a:spcBef>
           <a:spcPct val="20000"/>
         </a:spcBef>
@@ -2951,7 +2951,7 @@
           <a:cs typeface="+mn-cs"/>
         </a:defRPr>
       </a:lvl6pPr>
-      <a:lvl7pPr algn="l" defTabSz="457200" eaLnBrk="1" hangingPunct="1" indent="-228600" latinLnBrk="0" marL="2971800" rtl="0">
+      <a:lvl7pPr algn="l" defTabSz="457200" eaLnBrk="1" hangingPunct="1" indent="-457200" latinLnBrk="0" marL="3200400" rtl="0">
         <a:spcBef>
           <a:spcPct val="20000"/>
         </a:spcBef>
@@ -2966,7 +2966,7 @@
           <a:cs typeface="+mn-cs"/>
         </a:defRPr>
       </a:lvl7pPr>
-      <a:lvl8pPr algn="l" defTabSz="457200" eaLnBrk="1" hangingPunct="1" indent="-228600" latinLnBrk="0" marL="3429000" rtl="0">
+      <a:lvl8pPr algn="l" defTabSz="457200" eaLnBrk="1" hangingPunct="1" indent="-457200" latinLnBrk="0" marL="3657600" rtl="0">
         <a:spcBef>
           <a:spcPct val="20000"/>
         </a:spcBef>
@@ -2981,7 +2981,7 @@
           <a:cs typeface="+mn-cs"/>
         </a:defRPr>
       </a:lvl8pPr>
-      <a:lvl9pPr algn="l" defTabSz="457200" eaLnBrk="1" hangingPunct="1" indent="-228600" latinLnBrk="0" marL="3886200" rtl="0">
+      <a:lvl9pPr algn="l" defTabSz="457200" eaLnBrk="1" hangingPunct="1" indent="-457200" latinLnBrk="0" marL="4114800" rtl="0">
         <a:spcBef>
           <a:spcPct val="20000"/>
         </a:spcBef>
@@ -3128,7 +3128,7 @@
           <a:bodyPr/>
           <a:lstStyle/>
           <a:p>
-            <a:pPr lvl="0" marL="0" indent="0">
+            <a:pPr lvl="0" indent="0" marL="0">
               <a:buNone/>
             </a:pPr>
             <a:r>
@@ -3220,7 +3220,7 @@
             </a:r>
           </a:p>
           <a:p>
-            <a:pPr lvl="0" marL="0" indent="0">
+            <a:pPr lvl="0" indent="0" marL="0">
               <a:spcBef>
                 <a:spcPts val="3000"/>
               </a:spcBef>
@@ -3276,7 +3276,7 @@
           <a:bodyPr/>
           <a:lstStyle/>
           <a:p>
-            <a:pPr lvl="0" marL="0" indent="0">
+            <a:pPr lvl="0" indent="0" marL="0">
               <a:buNone/>
             </a:pPr>
             <a:r>
@@ -3526,7 +3526,7 @@
           <a:bodyPr/>
           <a:lstStyle/>
           <a:p>
-            <a:pPr lvl="0" marL="0" indent="0">
+            <a:pPr lvl="0" indent="0" marL="0">
               <a:buNone/>
             </a:pPr>
             <a:r>

--- a/test/pptx/code-custom/output.pptx
+++ b/test/pptx/code-custom/output.pptx
@@ -3133,19 +3133,7 @@
             </a:pPr>
             <a:r>
               <a:rPr/>
-              <a:t>Header</a:t>
-            </a:r>
-            <a:r>
-              <a:rPr/>
-              <a:t> </a:t>
-            </a:r>
-            <a:r>
-              <a:rPr/>
-              <a:t>with</a:t>
-            </a:r>
-            <a:r>
-              <a:rPr/>
-              <a:t> </a:t>
+              <a:t>Header with </a:t>
             </a:r>
             <a:r>
               <a:rPr>
@@ -3293,15 +3281,7 @@
             </a:pPr>
             <a:r>
               <a:rPr/>
-              <a:t>Syntax</a:t>
-            </a:r>
-            <a:r>
-              <a:rPr/>
-              <a:t> </a:t>
-            </a:r>
-            <a:r>
-              <a:rPr/>
-              <a:t>highlighting</a:t>
+              <a:t>Syntax highlighting</a:t>
             </a:r>
           </a:p>
         </p:txBody>
@@ -3551,23 +3531,7 @@
             </a:pPr>
             <a:r>
               <a:rPr/>
-              <a:t>Two</a:t>
-            </a:r>
-            <a:r>
-              <a:rPr/>
-              <a:t> </a:t>
-            </a:r>
-            <a:r>
-              <a:rPr/>
-              <a:t>column</a:t>
-            </a:r>
-            <a:r>
-              <a:rPr/>
-              <a:t> </a:t>
-            </a:r>
-            <a:r>
-              <a:rPr/>
-              <a:t>slide</a:t>
+              <a:t>Two column slide</a:t>
             </a:r>
           </a:p>
         </p:txBody>

--- a/test/pptx/code-custom/output.pptx
+++ b/test/pptx/code-custom/output.pptx
@@ -3133,19 +3133,11 @@
             </a:pPr>
             <a:r>
               <a:rPr/>
-              <a:t>Header</a:t>
+              <a:t>Header </a:t>
             </a:r>
             <a:r>
               <a:rPr/>
-              <a:t> </a:t>
-            </a:r>
-            <a:r>
-              <a:rPr/>
-              <a:t>with</a:t>
-            </a:r>
-            <a:r>
-              <a:rPr/>
-              <a:t> </a:t>
+              <a:t>with </a:t>
             </a:r>
             <a:r>
               <a:rPr>
@@ -3293,11 +3285,7 @@
             </a:pPr>
             <a:r>
               <a:rPr/>
-              <a:t>Syntax</a:t>
-            </a:r>
-            <a:r>
-              <a:rPr/>
-              <a:t> </a:t>
+              <a:t>Syntax </a:t>
             </a:r>
             <a:r>
               <a:rPr/>
@@ -3551,19 +3539,11 @@
             </a:pPr>
             <a:r>
               <a:rPr/>
-              <a:t>Two</a:t>
+              <a:t>Two </a:t>
             </a:r>
             <a:r>
               <a:rPr/>
-              <a:t> </a:t>
-            </a:r>
-            <a:r>
-              <a:rPr/>
-              <a:t>column</a:t>
-            </a:r>
-            <a:r>
-              <a:rPr/>
-              <a:t> </a:t>
+              <a:t>column </a:t>
             </a:r>
             <a:r>
               <a:rPr/>

--- a/test/pptx/code-custom/output.pptx
+++ b/test/pptx/code-custom/output.pptx
@@ -3133,11 +3133,19 @@
             </a:pPr>
             <a:r>
               <a:rPr/>
-              <a:t>Header </a:t>
+              <a:t>Header</a:t>
             </a:r>
             <a:r>
               <a:rPr/>
-              <a:t>with </a:t>
+              <a:t> </a:t>
+            </a:r>
+            <a:r>
+              <a:rPr/>
+              <a:t>with</a:t>
+            </a:r>
+            <a:r>
+              <a:rPr/>
+              <a:t> </a:t>
             </a:r>
             <a:r>
               <a:rPr>
@@ -3285,7 +3293,11 @@
             </a:pPr>
             <a:r>
               <a:rPr/>
-              <a:t>Syntax </a:t>
+              <a:t>Syntax</a:t>
+            </a:r>
+            <a:r>
+              <a:rPr/>
+              <a:t> </a:t>
             </a:r>
             <a:r>
               <a:rPr/>
@@ -3539,11 +3551,19 @@
             </a:pPr>
             <a:r>
               <a:rPr/>
-              <a:t>Two </a:t>
+              <a:t>Two</a:t>
             </a:r>
             <a:r>
               <a:rPr/>
-              <a:t>column </a:t>
+              <a:t> </a:t>
+            </a:r>
+            <a:r>
+              <a:rPr/>
+              <a:t>column</a:t>
+            </a:r>
+            <a:r>
+              <a:rPr/>
+              <a:t> </a:t>
             </a:r>
             <a:r>
               <a:rPr/>

--- a/test/pptx/code-custom/output.pptx
+++ b/test/pptx/code-custom/output.pptx
@@ -9,7 +9,7 @@
     <p:sldId id="257" r:id="rId3"/>
     <p:sldId id="258" r:id="rId4"/>
   </p:sldIdLst>
-  <p:sldSz cx="9144000" cy="6858000" type="screen4x3"/>
+  <p:sldSz cx="9144000" cy="5143500" type="screen16x9"/>
   <p:notesSz cx="6858000" cy="9144000"/>
   <p:defaultTextStyle>
     <a:defPPr>
@@ -109,12 +109,12 @@
   <p:extLst>
     <p:ext uri="{EFAFB233-063F-42B5-8137-9DF3F51BA10A}">
       <p15:sldGuideLst xmlns:p15="http://schemas.microsoft.com/office/powerpoint/2012/main">
-        <p15:guide id="1" orient="horz" pos="2160">
+        <p15:guide id="1" orient="horz" pos="1620" userDrawn="1">
           <p15:clr>
             <a:srgbClr val="A4A3A4"/>
           </p15:clr>
         </p15:guide>
-        <p15:guide id="2" pos="2880">
+        <p15:guide id="2" pos="2880" userDrawn="1">
           <p15:clr>
             <a:srgbClr val="A4A3A4"/>
           </p15:clr>
@@ -154,8 +154,8 @@
         </p:nvSpPr>
         <p:spPr>
           <a:xfrm>
-            <a:off x="685800" y="2130425"/>
-            <a:ext cx="7772400" cy="1470025"/>
+            <a:off x="685800" y="1597819"/>
+            <a:ext cx="7772400" cy="1102519"/>
           </a:xfrm>
         </p:spPr>
         <p:txBody>
@@ -163,10 +163,9 @@
           <a:lstStyle/>
           <a:p>
             <a:r>
-              <a:rPr lang="en-US" smtClean="0"/>
+              <a:rPr lang="en-US"/>
               <a:t>Click to edit Master title style</a:t>
             </a:r>
-            <a:endParaRPr lang="en-US"/>
           </a:p>
         </p:txBody>
       </p:sp>
@@ -182,8 +181,8 @@
         </p:nvSpPr>
         <p:spPr>
           <a:xfrm>
-            <a:off x="1371600" y="3886200"/>
-            <a:ext cx="6400800" cy="1752600"/>
+            <a:off x="1371600" y="2914650"/>
+            <a:ext cx="6400800" cy="1314450"/>
           </a:xfrm>
         </p:spPr>
         <p:txBody>
@@ -199,7 +198,7 @@
                 </a:solidFill>
               </a:defRPr>
             </a:lvl1pPr>
-            <a:lvl2pPr marL="457200" indent="0" algn="ctr">
+            <a:lvl2pPr marL="342900" indent="0" algn="ctr">
               <a:buNone/>
               <a:defRPr>
                 <a:solidFill>
@@ -209,7 +208,7 @@
                 </a:solidFill>
               </a:defRPr>
             </a:lvl2pPr>
-            <a:lvl3pPr marL="914400" indent="0" algn="ctr">
+            <a:lvl3pPr marL="685800" indent="0" algn="ctr">
               <a:buNone/>
               <a:defRPr>
                 <a:solidFill>
@@ -219,7 +218,7 @@
                 </a:solidFill>
               </a:defRPr>
             </a:lvl3pPr>
-            <a:lvl4pPr marL="1371600" indent="0" algn="ctr">
+            <a:lvl4pPr marL="1028700" indent="0" algn="ctr">
               <a:buNone/>
               <a:defRPr>
                 <a:solidFill>
@@ -229,7 +228,7 @@
                 </a:solidFill>
               </a:defRPr>
             </a:lvl4pPr>
-            <a:lvl5pPr marL="1828800" indent="0" algn="ctr">
+            <a:lvl5pPr marL="1371600" indent="0" algn="ctr">
               <a:buNone/>
               <a:defRPr>
                 <a:solidFill>
@@ -239,7 +238,7 @@
                 </a:solidFill>
               </a:defRPr>
             </a:lvl5pPr>
-            <a:lvl6pPr marL="2286000" indent="0" algn="ctr">
+            <a:lvl6pPr marL="1714500" indent="0" algn="ctr">
               <a:buNone/>
               <a:defRPr>
                 <a:solidFill>
@@ -249,7 +248,7 @@
                 </a:solidFill>
               </a:defRPr>
             </a:lvl6pPr>
-            <a:lvl7pPr marL="2743200" indent="0" algn="ctr">
+            <a:lvl7pPr marL="2057400" indent="0" algn="ctr">
               <a:buNone/>
               <a:defRPr>
                 <a:solidFill>
@@ -259,7 +258,7 @@
                 </a:solidFill>
               </a:defRPr>
             </a:lvl7pPr>
-            <a:lvl8pPr marL="3200400" indent="0" algn="ctr">
+            <a:lvl8pPr marL="2400300" indent="0" algn="ctr">
               <a:buNone/>
               <a:defRPr>
                 <a:solidFill>
@@ -269,7 +268,7 @@
                 </a:solidFill>
               </a:defRPr>
             </a:lvl8pPr>
-            <a:lvl9pPr marL="3657600" indent="0" algn="ctr">
+            <a:lvl9pPr marL="2743200" indent="0" algn="ctr">
               <a:buNone/>
               <a:defRPr>
                 <a:solidFill>
@@ -282,10 +281,9 @@
           </a:lstStyle>
           <a:p>
             <a:r>
-              <a:rPr lang="en-US" smtClean="0"/>
+              <a:rPr lang="en-US"/>
               <a:t>Click to edit Master subtitle style</a:t>
             </a:r>
-            <a:endParaRPr lang="en-US"/>
           </a:p>
         </p:txBody>
       </p:sp>
@@ -306,7 +304,7 @@
           <a:p>
             <a:fld id="{241EB5C9-1307-BA42-ABA2-0BC069CD8E7F}" type="datetimeFigureOut">
               <a:rPr lang="en-US" smtClean="0"/>
-              <a:t>4/5/2019</a:t>
+              <a:t>1/2/22</a:t>
             </a:fld>
             <a:endParaRPr lang="en-US"/>
           </a:p>
@@ -400,10 +398,9 @@
           <a:lstStyle/>
           <a:p>
             <a:r>
-              <a:rPr lang="en-US" smtClean="0"/>
+              <a:rPr lang="en-US"/>
               <a:t>Click to edit Master title style</a:t>
             </a:r>
-            <a:endParaRPr lang="en-US"/>
           </a:p>
         </p:txBody>
       </p:sp>
@@ -424,38 +421,37 @@
           <a:p>
             <a:pPr lvl="0"/>
             <a:r>
-              <a:rPr lang="en-US" smtClean="0"/>
+              <a:rPr lang="en-US"/>
               <a:t>Click to edit Master text styles</a:t>
             </a:r>
           </a:p>
           <a:p>
             <a:pPr lvl="1"/>
             <a:r>
-              <a:rPr lang="en-US" smtClean="0"/>
+              <a:rPr lang="en-US"/>
               <a:t>Second level</a:t>
             </a:r>
           </a:p>
           <a:p>
             <a:pPr lvl="2"/>
             <a:r>
-              <a:rPr lang="en-US" smtClean="0"/>
+              <a:rPr lang="en-US"/>
               <a:t>Third level</a:t>
             </a:r>
           </a:p>
           <a:p>
             <a:pPr lvl="3"/>
             <a:r>
-              <a:rPr lang="en-US" smtClean="0"/>
+              <a:rPr lang="en-US"/>
               <a:t>Fourth level</a:t>
             </a:r>
           </a:p>
           <a:p>
             <a:pPr lvl="4"/>
             <a:r>
-              <a:rPr lang="en-US" smtClean="0"/>
+              <a:rPr lang="en-US"/>
               <a:t>Fifth level</a:t>
             </a:r>
-            <a:endParaRPr lang="en-US"/>
           </a:p>
         </p:txBody>
       </p:sp>
@@ -476,7 +472,7 @@
           <a:p>
             <a:fld id="{241EB5C9-1307-BA42-ABA2-0BC069CD8E7F}" type="datetimeFigureOut">
               <a:rPr lang="en-US" smtClean="0"/>
-              <a:t>4/5/2019</a:t>
+              <a:t>1/2/22</a:t>
             </a:fld>
             <a:endParaRPr lang="en-US"/>
           </a:p>
@@ -566,8 +562,8 @@
         </p:nvSpPr>
         <p:spPr>
           <a:xfrm>
-            <a:off x="6629400" y="274638"/>
-            <a:ext cx="2057400" cy="5851525"/>
+            <a:off x="6629400" y="205979"/>
+            <a:ext cx="2057400" cy="4388644"/>
           </a:xfrm>
         </p:spPr>
         <p:txBody>
@@ -575,10 +571,9 @@
           <a:lstStyle/>
           <a:p>
             <a:r>
-              <a:rPr lang="en-US" smtClean="0"/>
+              <a:rPr lang="en-US"/>
               <a:t>Click to edit Master title style</a:t>
             </a:r>
-            <a:endParaRPr lang="en-US"/>
           </a:p>
         </p:txBody>
       </p:sp>
@@ -594,8 +589,8 @@
         </p:nvSpPr>
         <p:spPr>
           <a:xfrm>
-            <a:off x="457200" y="274638"/>
-            <a:ext cx="6019800" cy="5851525"/>
+            <a:off x="457200" y="205979"/>
+            <a:ext cx="6019800" cy="4388644"/>
           </a:xfrm>
         </p:spPr>
         <p:txBody>
@@ -604,38 +599,37 @@
           <a:p>
             <a:pPr lvl="0"/>
             <a:r>
-              <a:rPr lang="en-US" smtClean="0"/>
+              <a:rPr lang="en-US"/>
               <a:t>Click to edit Master text styles</a:t>
             </a:r>
           </a:p>
           <a:p>
             <a:pPr lvl="1"/>
             <a:r>
-              <a:rPr lang="en-US" smtClean="0"/>
+              <a:rPr lang="en-US"/>
               <a:t>Second level</a:t>
             </a:r>
           </a:p>
           <a:p>
             <a:pPr lvl="2"/>
             <a:r>
-              <a:rPr lang="en-US" smtClean="0"/>
+              <a:rPr lang="en-US"/>
               <a:t>Third level</a:t>
             </a:r>
           </a:p>
           <a:p>
             <a:pPr lvl="3"/>
             <a:r>
-              <a:rPr lang="en-US" smtClean="0"/>
+              <a:rPr lang="en-US"/>
               <a:t>Fourth level</a:t>
             </a:r>
           </a:p>
           <a:p>
             <a:pPr lvl="4"/>
             <a:r>
-              <a:rPr lang="en-US" smtClean="0"/>
+              <a:rPr lang="en-US"/>
               <a:t>Fifth level</a:t>
             </a:r>
-            <a:endParaRPr lang="en-US"/>
           </a:p>
         </p:txBody>
       </p:sp>
@@ -656,7 +650,7 @@
           <a:p>
             <a:fld id="{241EB5C9-1307-BA42-ABA2-0BC069CD8E7F}" type="datetimeFigureOut">
               <a:rPr lang="en-US" smtClean="0"/>
-              <a:t>4/5/2019</a:t>
+              <a:t>1/2/22</a:t>
             </a:fld>
             <a:endParaRPr lang="en-US"/>
           </a:p>
@@ -750,10 +744,9 @@
           <a:lstStyle/>
           <a:p>
             <a:r>
-              <a:rPr lang="en-US" smtClean="0"/>
+              <a:rPr lang="en-US"/>
               <a:t>Click to edit Master title style</a:t>
             </a:r>
-            <a:endParaRPr lang="en-US"/>
           </a:p>
         </p:txBody>
       </p:sp>
@@ -774,38 +767,37 @@
           <a:p>
             <a:pPr lvl="0"/>
             <a:r>
-              <a:rPr lang="en-US" smtClean="0"/>
+              <a:rPr lang="en-US"/>
               <a:t>Click to edit Master text styles</a:t>
             </a:r>
           </a:p>
           <a:p>
             <a:pPr lvl="1"/>
             <a:r>
-              <a:rPr lang="en-US" smtClean="0"/>
+              <a:rPr lang="en-US"/>
               <a:t>Second level</a:t>
             </a:r>
           </a:p>
           <a:p>
             <a:pPr lvl="2"/>
             <a:r>
-              <a:rPr lang="en-US" smtClean="0"/>
+              <a:rPr lang="en-US"/>
               <a:t>Third level</a:t>
             </a:r>
           </a:p>
           <a:p>
             <a:pPr lvl="3"/>
             <a:r>
-              <a:rPr lang="en-US" smtClean="0"/>
+              <a:rPr lang="en-US"/>
               <a:t>Fourth level</a:t>
             </a:r>
           </a:p>
           <a:p>
             <a:pPr lvl="4"/>
             <a:r>
-              <a:rPr lang="en-US" smtClean="0"/>
+              <a:rPr lang="en-US"/>
               <a:t>Fifth level</a:t>
             </a:r>
-            <a:endParaRPr lang="en-US"/>
           </a:p>
         </p:txBody>
       </p:sp>
@@ -826,7 +818,7 @@
           <a:p>
             <a:fld id="{241EB5C9-1307-BA42-ABA2-0BC069CD8E7F}" type="datetimeFigureOut">
               <a:rPr lang="en-US" smtClean="0"/>
-              <a:t>4/5/2019</a:t>
+              <a:t>1/2/22</a:t>
             </a:fld>
             <a:endParaRPr lang="en-US"/>
           </a:p>
@@ -916,23 +908,22 @@
         </p:nvSpPr>
         <p:spPr>
           <a:xfrm>
-            <a:off x="722313" y="4406900"/>
-            <a:ext cx="7772400" cy="1362075"/>
+            <a:off x="722313" y="3305176"/>
+            <a:ext cx="7772400" cy="1021556"/>
           </a:xfrm>
         </p:spPr>
         <p:txBody>
           <a:bodyPr anchor="t"/>
           <a:lstStyle>
             <a:lvl1pPr algn="l">
-              <a:defRPr sz="4000" b="1" cap="all"/>
+              <a:defRPr sz="3000" b="1" cap="all"/>
             </a:lvl1pPr>
           </a:lstStyle>
           <a:p>
             <a:r>
-              <a:rPr lang="en-US" smtClean="0"/>
+              <a:rPr lang="en-US"/>
               <a:t>Click to edit Master title style</a:t>
             </a:r>
-            <a:endParaRPr lang="en-US"/>
           </a:p>
         </p:txBody>
       </p:sp>
@@ -948,8 +939,8 @@
         </p:nvSpPr>
         <p:spPr>
           <a:xfrm>
-            <a:off x="722313" y="2906713"/>
-            <a:ext cx="7772400" cy="1500187"/>
+            <a:off x="722313" y="2180035"/>
+            <a:ext cx="7772400" cy="1125140"/>
           </a:xfrm>
         </p:spPr>
         <p:txBody>
@@ -957,7 +948,7 @@
           <a:lstStyle>
             <a:lvl1pPr marL="0" indent="0">
               <a:buNone/>
-              <a:defRPr sz="2000">
+              <a:defRPr sz="1500">
                 <a:solidFill>
                   <a:schemeClr val="tx1">
                     <a:tint val="75000"/>
@@ -965,9 +956,9 @@
                 </a:solidFill>
               </a:defRPr>
             </a:lvl1pPr>
-            <a:lvl2pPr marL="457200" indent="0">
-              <a:buNone/>
-              <a:defRPr sz="1800">
+            <a:lvl2pPr marL="342900" indent="0">
+              <a:buNone/>
+              <a:defRPr sz="1350">
                 <a:solidFill>
                   <a:schemeClr val="tx1">
                     <a:tint val="75000"/>
@@ -975,9 +966,9 @@
                 </a:solidFill>
               </a:defRPr>
             </a:lvl2pPr>
-            <a:lvl3pPr marL="914400" indent="0">
-              <a:buNone/>
-              <a:defRPr sz="1600">
+            <a:lvl3pPr marL="685800" indent="0">
+              <a:buNone/>
+              <a:defRPr sz="1200">
                 <a:solidFill>
                   <a:schemeClr val="tx1">
                     <a:tint val="75000"/>
@@ -985,9 +976,9 @@
                 </a:solidFill>
               </a:defRPr>
             </a:lvl3pPr>
-            <a:lvl4pPr marL="1371600" indent="0">
-              <a:buNone/>
-              <a:defRPr sz="1400">
+            <a:lvl4pPr marL="1028700" indent="0">
+              <a:buNone/>
+              <a:defRPr sz="1050">
                 <a:solidFill>
                   <a:schemeClr val="tx1">
                     <a:tint val="75000"/>
@@ -995,9 +986,9 @@
                 </a:solidFill>
               </a:defRPr>
             </a:lvl4pPr>
-            <a:lvl5pPr marL="1828800" indent="0">
-              <a:buNone/>
-              <a:defRPr sz="1400">
+            <a:lvl5pPr marL="1371600" indent="0">
+              <a:buNone/>
+              <a:defRPr sz="1050">
                 <a:solidFill>
                   <a:schemeClr val="tx1">
                     <a:tint val="75000"/>
@@ -1005,9 +996,9 @@
                 </a:solidFill>
               </a:defRPr>
             </a:lvl5pPr>
-            <a:lvl6pPr marL="2286000" indent="0">
-              <a:buNone/>
-              <a:defRPr sz="1400">
+            <a:lvl6pPr marL="1714500" indent="0">
+              <a:buNone/>
+              <a:defRPr sz="1050">
                 <a:solidFill>
                   <a:schemeClr val="tx1">
                     <a:tint val="75000"/>
@@ -1015,9 +1006,9 @@
                 </a:solidFill>
               </a:defRPr>
             </a:lvl6pPr>
-            <a:lvl7pPr marL="2743200" indent="0">
-              <a:buNone/>
-              <a:defRPr sz="1400">
+            <a:lvl7pPr marL="2057400" indent="0">
+              <a:buNone/>
+              <a:defRPr sz="1050">
                 <a:solidFill>
                   <a:schemeClr val="tx1">
                     <a:tint val="75000"/>
@@ -1025,9 +1016,9 @@
                 </a:solidFill>
               </a:defRPr>
             </a:lvl7pPr>
-            <a:lvl8pPr marL="3200400" indent="0">
-              <a:buNone/>
-              <a:defRPr sz="1400">
+            <a:lvl8pPr marL="2400300" indent="0">
+              <a:buNone/>
+              <a:defRPr sz="1050">
                 <a:solidFill>
                   <a:schemeClr val="tx1">
                     <a:tint val="75000"/>
@@ -1035,9 +1026,9 @@
                 </a:solidFill>
               </a:defRPr>
             </a:lvl8pPr>
-            <a:lvl9pPr marL="3657600" indent="0">
-              <a:buNone/>
-              <a:defRPr sz="1400">
+            <a:lvl9pPr marL="2743200" indent="0">
+              <a:buNone/>
+              <a:defRPr sz="1050">
                 <a:solidFill>
                   <a:schemeClr val="tx1">
                     <a:tint val="75000"/>
@@ -1049,7 +1040,7 @@
           <a:p>
             <a:pPr lvl="0"/>
             <a:r>
-              <a:rPr lang="en-US" smtClean="0"/>
+              <a:rPr lang="en-US"/>
               <a:t>Click to edit Master text styles</a:t>
             </a:r>
           </a:p>
@@ -1072,7 +1063,7 @@
           <a:p>
             <a:fld id="{241EB5C9-1307-BA42-ABA2-0BC069CD8E7F}" type="datetimeFigureOut">
               <a:rPr lang="en-US" smtClean="0"/>
-              <a:t>4/5/2019</a:t>
+              <a:t>1/2/22</a:t>
             </a:fld>
             <a:endParaRPr lang="en-US"/>
           </a:p>
@@ -1166,10 +1157,9 @@
           <a:lstStyle/>
           <a:p>
             <a:r>
-              <a:rPr lang="en-US" smtClean="0"/>
+              <a:rPr lang="en-US"/>
               <a:t>Click to edit Master title style</a:t>
             </a:r>
-            <a:endParaRPr lang="en-US"/>
           </a:p>
         </p:txBody>
       </p:sp>
@@ -1185,76 +1175,75 @@
         </p:nvSpPr>
         <p:spPr>
           <a:xfrm>
-            <a:off x="457200" y="1600200"/>
-            <a:ext cx="4038600" cy="4525963"/>
+            <a:off x="457200" y="1200151"/>
+            <a:ext cx="4038600" cy="3394472"/>
           </a:xfrm>
         </p:spPr>
         <p:txBody>
           <a:bodyPr/>
           <a:lstStyle>
             <a:lvl1pPr>
-              <a:defRPr sz="2800"/>
+              <a:defRPr sz="2100"/>
             </a:lvl1pPr>
             <a:lvl2pPr>
-              <a:defRPr sz="2400"/>
+              <a:defRPr sz="1800"/>
             </a:lvl2pPr>
             <a:lvl3pPr>
-              <a:defRPr sz="2000"/>
+              <a:defRPr sz="1500"/>
             </a:lvl3pPr>
             <a:lvl4pPr>
-              <a:defRPr sz="1800"/>
+              <a:defRPr sz="1350"/>
             </a:lvl4pPr>
             <a:lvl5pPr>
-              <a:defRPr sz="1800"/>
+              <a:defRPr sz="1350"/>
             </a:lvl5pPr>
             <a:lvl6pPr>
-              <a:defRPr sz="1800"/>
+              <a:defRPr sz="1350"/>
             </a:lvl6pPr>
             <a:lvl7pPr>
-              <a:defRPr sz="1800"/>
+              <a:defRPr sz="1350"/>
             </a:lvl7pPr>
             <a:lvl8pPr>
-              <a:defRPr sz="1800"/>
+              <a:defRPr sz="1350"/>
             </a:lvl8pPr>
             <a:lvl9pPr>
-              <a:defRPr sz="1800"/>
+              <a:defRPr sz="1350"/>
             </a:lvl9pPr>
           </a:lstStyle>
           <a:p>
             <a:pPr lvl="0"/>
             <a:r>
-              <a:rPr lang="en-US" smtClean="0"/>
+              <a:rPr lang="en-US"/>
               <a:t>Click to edit Master text styles</a:t>
             </a:r>
           </a:p>
           <a:p>
             <a:pPr lvl="1"/>
             <a:r>
-              <a:rPr lang="en-US" smtClean="0"/>
+              <a:rPr lang="en-US"/>
               <a:t>Second level</a:t>
             </a:r>
           </a:p>
           <a:p>
             <a:pPr lvl="2"/>
             <a:r>
-              <a:rPr lang="en-US" smtClean="0"/>
+              <a:rPr lang="en-US"/>
               <a:t>Third level</a:t>
             </a:r>
           </a:p>
           <a:p>
             <a:pPr lvl="3"/>
             <a:r>
-              <a:rPr lang="en-US" smtClean="0"/>
+              <a:rPr lang="en-US"/>
               <a:t>Fourth level</a:t>
             </a:r>
           </a:p>
           <a:p>
             <a:pPr lvl="4"/>
             <a:r>
-              <a:rPr lang="en-US" smtClean="0"/>
+              <a:rPr lang="en-US"/>
               <a:t>Fifth level</a:t>
             </a:r>
-            <a:endParaRPr lang="en-US"/>
           </a:p>
         </p:txBody>
       </p:sp>
@@ -1270,76 +1259,75 @@
         </p:nvSpPr>
         <p:spPr>
           <a:xfrm>
-            <a:off x="4648200" y="1600200"/>
-            <a:ext cx="4038600" cy="4525963"/>
+            <a:off x="4648200" y="1200151"/>
+            <a:ext cx="4038600" cy="3394472"/>
           </a:xfrm>
         </p:spPr>
         <p:txBody>
           <a:bodyPr/>
           <a:lstStyle>
             <a:lvl1pPr>
-              <a:defRPr sz="2800"/>
+              <a:defRPr sz="2100"/>
             </a:lvl1pPr>
             <a:lvl2pPr>
-              <a:defRPr sz="2400"/>
+              <a:defRPr sz="1800"/>
             </a:lvl2pPr>
             <a:lvl3pPr>
-              <a:defRPr sz="2000"/>
+              <a:defRPr sz="1500"/>
             </a:lvl3pPr>
             <a:lvl4pPr>
-              <a:defRPr sz="1800"/>
+              <a:defRPr sz="1350"/>
             </a:lvl4pPr>
             <a:lvl5pPr>
-              <a:defRPr sz="1800"/>
+              <a:defRPr sz="1350"/>
             </a:lvl5pPr>
             <a:lvl6pPr>
-              <a:defRPr sz="1800"/>
+              <a:defRPr sz="1350"/>
             </a:lvl6pPr>
             <a:lvl7pPr>
-              <a:defRPr sz="1800"/>
+              <a:defRPr sz="1350"/>
             </a:lvl7pPr>
             <a:lvl8pPr>
-              <a:defRPr sz="1800"/>
+              <a:defRPr sz="1350"/>
             </a:lvl8pPr>
             <a:lvl9pPr>
-              <a:defRPr sz="1800"/>
+              <a:defRPr sz="1350"/>
             </a:lvl9pPr>
           </a:lstStyle>
           <a:p>
             <a:pPr lvl="0"/>
             <a:r>
-              <a:rPr lang="en-US" smtClean="0"/>
+              <a:rPr lang="en-US"/>
               <a:t>Click to edit Master text styles</a:t>
             </a:r>
           </a:p>
           <a:p>
             <a:pPr lvl="1"/>
             <a:r>
-              <a:rPr lang="en-US" smtClean="0"/>
+              <a:rPr lang="en-US"/>
               <a:t>Second level</a:t>
             </a:r>
           </a:p>
           <a:p>
             <a:pPr lvl="2"/>
             <a:r>
-              <a:rPr lang="en-US" smtClean="0"/>
+              <a:rPr lang="en-US"/>
               <a:t>Third level</a:t>
             </a:r>
           </a:p>
           <a:p>
             <a:pPr lvl="3"/>
             <a:r>
-              <a:rPr lang="en-US" smtClean="0"/>
+              <a:rPr lang="en-US"/>
               <a:t>Fourth level</a:t>
             </a:r>
           </a:p>
           <a:p>
             <a:pPr lvl="4"/>
             <a:r>
-              <a:rPr lang="en-US" smtClean="0"/>
+              <a:rPr lang="en-US"/>
               <a:t>Fifth level</a:t>
             </a:r>
-            <a:endParaRPr lang="en-US"/>
           </a:p>
         </p:txBody>
       </p:sp>
@@ -1360,7 +1348,7 @@
           <a:p>
             <a:fld id="{241EB5C9-1307-BA42-ABA2-0BC069CD8E7F}" type="datetimeFigureOut">
               <a:rPr lang="en-US" smtClean="0"/>
-              <a:t>4/5/2019</a:t>
+              <a:t>1/2/22</a:t>
             </a:fld>
             <a:endParaRPr lang="en-US"/>
           </a:p>
@@ -1458,10 +1446,9 @@
           </a:lstStyle>
           <a:p>
             <a:r>
-              <a:rPr lang="en-US" smtClean="0"/>
+              <a:rPr lang="en-US"/>
               <a:t>Click to edit Master title style</a:t>
             </a:r>
-            <a:endParaRPr lang="en-US"/>
           </a:p>
         </p:txBody>
       </p:sp>
@@ -1477,8 +1464,8 @@
         </p:nvSpPr>
         <p:spPr>
           <a:xfrm>
-            <a:off x="457200" y="1535113"/>
-            <a:ext cx="4040188" cy="639762"/>
+            <a:off x="457200" y="1151335"/>
+            <a:ext cx="4040188" cy="479822"/>
           </a:xfrm>
         </p:spPr>
         <p:txBody>
@@ -1486,45 +1473,45 @@
           <a:lstStyle>
             <a:lvl1pPr marL="0" indent="0">
               <a:buNone/>
-              <a:defRPr sz="2400" b="1"/>
+              <a:defRPr sz="1800" b="1"/>
             </a:lvl1pPr>
-            <a:lvl2pPr marL="457200" indent="0">
-              <a:buNone/>
-              <a:defRPr sz="2000" b="1"/>
+            <a:lvl2pPr marL="342900" indent="0">
+              <a:buNone/>
+              <a:defRPr sz="1500" b="1"/>
             </a:lvl2pPr>
-            <a:lvl3pPr marL="914400" indent="0">
-              <a:buNone/>
-              <a:defRPr sz="1800" b="1"/>
+            <a:lvl3pPr marL="685800" indent="0">
+              <a:buNone/>
+              <a:defRPr sz="1350" b="1"/>
             </a:lvl3pPr>
-            <a:lvl4pPr marL="1371600" indent="0">
-              <a:buNone/>
-              <a:defRPr sz="1600" b="1"/>
+            <a:lvl4pPr marL="1028700" indent="0">
+              <a:buNone/>
+              <a:defRPr sz="1200" b="1"/>
             </a:lvl4pPr>
-            <a:lvl5pPr marL="1828800" indent="0">
-              <a:buNone/>
-              <a:defRPr sz="1600" b="1"/>
+            <a:lvl5pPr marL="1371600" indent="0">
+              <a:buNone/>
+              <a:defRPr sz="1200" b="1"/>
             </a:lvl5pPr>
-            <a:lvl6pPr marL="2286000" indent="0">
-              <a:buNone/>
-              <a:defRPr sz="1600" b="1"/>
+            <a:lvl6pPr marL="1714500" indent="0">
+              <a:buNone/>
+              <a:defRPr sz="1200" b="1"/>
             </a:lvl6pPr>
-            <a:lvl7pPr marL="2743200" indent="0">
-              <a:buNone/>
-              <a:defRPr sz="1600" b="1"/>
+            <a:lvl7pPr marL="2057400" indent="0">
+              <a:buNone/>
+              <a:defRPr sz="1200" b="1"/>
             </a:lvl7pPr>
-            <a:lvl8pPr marL="3200400" indent="0">
-              <a:buNone/>
-              <a:defRPr sz="1600" b="1"/>
+            <a:lvl8pPr marL="2400300" indent="0">
+              <a:buNone/>
+              <a:defRPr sz="1200" b="1"/>
             </a:lvl8pPr>
-            <a:lvl9pPr marL="3657600" indent="0">
-              <a:buNone/>
-              <a:defRPr sz="1600" b="1"/>
+            <a:lvl9pPr marL="2743200" indent="0">
+              <a:buNone/>
+              <a:defRPr sz="1200" b="1"/>
             </a:lvl9pPr>
           </a:lstStyle>
           <a:p>
             <a:pPr lvl="0"/>
             <a:r>
-              <a:rPr lang="en-US" smtClean="0"/>
+              <a:rPr lang="en-US"/>
               <a:t>Click to edit Master text styles</a:t>
             </a:r>
           </a:p>
@@ -1542,76 +1529,75 @@
         </p:nvSpPr>
         <p:spPr>
           <a:xfrm>
-            <a:off x="457200" y="2174875"/>
-            <a:ext cx="4040188" cy="3951288"/>
+            <a:off x="457200" y="1631156"/>
+            <a:ext cx="4040188" cy="2963466"/>
           </a:xfrm>
         </p:spPr>
         <p:txBody>
           <a:bodyPr/>
           <a:lstStyle>
             <a:lvl1pPr>
-              <a:defRPr sz="2400"/>
+              <a:defRPr sz="1800"/>
             </a:lvl1pPr>
             <a:lvl2pPr>
-              <a:defRPr sz="2000"/>
+              <a:defRPr sz="1500"/>
             </a:lvl2pPr>
             <a:lvl3pPr>
-              <a:defRPr sz="1800"/>
+              <a:defRPr sz="1350"/>
             </a:lvl3pPr>
             <a:lvl4pPr>
-              <a:defRPr sz="1600"/>
+              <a:defRPr sz="1200"/>
             </a:lvl4pPr>
             <a:lvl5pPr>
-              <a:defRPr sz="1600"/>
+              <a:defRPr sz="1200"/>
             </a:lvl5pPr>
             <a:lvl6pPr>
-              <a:defRPr sz="1600"/>
+              <a:defRPr sz="1200"/>
             </a:lvl6pPr>
             <a:lvl7pPr>
-              <a:defRPr sz="1600"/>
+              <a:defRPr sz="1200"/>
             </a:lvl7pPr>
             <a:lvl8pPr>
-              <a:defRPr sz="1600"/>
+              <a:defRPr sz="1200"/>
             </a:lvl8pPr>
             <a:lvl9pPr>
-              <a:defRPr sz="1600"/>
+              <a:defRPr sz="1200"/>
             </a:lvl9pPr>
           </a:lstStyle>
           <a:p>
             <a:pPr lvl="0"/>
             <a:r>
-              <a:rPr lang="en-US" smtClean="0"/>
+              <a:rPr lang="en-US"/>
               <a:t>Click to edit Master text styles</a:t>
             </a:r>
           </a:p>
           <a:p>
             <a:pPr lvl="1"/>
             <a:r>
-              <a:rPr lang="en-US" smtClean="0"/>
+              <a:rPr lang="en-US"/>
               <a:t>Second level</a:t>
             </a:r>
           </a:p>
           <a:p>
             <a:pPr lvl="2"/>
             <a:r>
-              <a:rPr lang="en-US" smtClean="0"/>
+              <a:rPr lang="en-US"/>
               <a:t>Third level</a:t>
             </a:r>
           </a:p>
           <a:p>
             <a:pPr lvl="3"/>
             <a:r>
-              <a:rPr lang="en-US" smtClean="0"/>
+              <a:rPr lang="en-US"/>
               <a:t>Fourth level</a:t>
             </a:r>
           </a:p>
           <a:p>
             <a:pPr lvl="4"/>
             <a:r>
-              <a:rPr lang="en-US" smtClean="0"/>
+              <a:rPr lang="en-US"/>
               <a:t>Fifth level</a:t>
             </a:r>
-            <a:endParaRPr lang="en-US"/>
           </a:p>
         </p:txBody>
       </p:sp>
@@ -1627,8 +1613,8 @@
         </p:nvSpPr>
         <p:spPr>
           <a:xfrm>
-            <a:off x="4645025" y="1535113"/>
-            <a:ext cx="4041775" cy="639762"/>
+            <a:off x="4645026" y="1151335"/>
+            <a:ext cx="4041775" cy="479822"/>
           </a:xfrm>
         </p:spPr>
         <p:txBody>
@@ -1636,45 +1622,45 @@
           <a:lstStyle>
             <a:lvl1pPr marL="0" indent="0">
               <a:buNone/>
-              <a:defRPr sz="2400" b="1"/>
+              <a:defRPr sz="1800" b="1"/>
             </a:lvl1pPr>
-            <a:lvl2pPr marL="457200" indent="0">
-              <a:buNone/>
-              <a:defRPr sz="2000" b="1"/>
+            <a:lvl2pPr marL="342900" indent="0">
+              <a:buNone/>
+              <a:defRPr sz="1500" b="1"/>
             </a:lvl2pPr>
-            <a:lvl3pPr marL="914400" indent="0">
-              <a:buNone/>
-              <a:defRPr sz="1800" b="1"/>
+            <a:lvl3pPr marL="685800" indent="0">
+              <a:buNone/>
+              <a:defRPr sz="1350" b="1"/>
             </a:lvl3pPr>
-            <a:lvl4pPr marL="1371600" indent="0">
-              <a:buNone/>
-              <a:defRPr sz="1600" b="1"/>
+            <a:lvl4pPr marL="1028700" indent="0">
+              <a:buNone/>
+              <a:defRPr sz="1200" b="1"/>
             </a:lvl4pPr>
-            <a:lvl5pPr marL="1828800" indent="0">
-              <a:buNone/>
-              <a:defRPr sz="1600" b="1"/>
+            <a:lvl5pPr marL="1371600" indent="0">
+              <a:buNone/>
+              <a:defRPr sz="1200" b="1"/>
             </a:lvl5pPr>
-            <a:lvl6pPr marL="2286000" indent="0">
-              <a:buNone/>
-              <a:defRPr sz="1600" b="1"/>
+            <a:lvl6pPr marL="1714500" indent="0">
+              <a:buNone/>
+              <a:defRPr sz="1200" b="1"/>
             </a:lvl6pPr>
-            <a:lvl7pPr marL="2743200" indent="0">
-              <a:buNone/>
-              <a:defRPr sz="1600" b="1"/>
+            <a:lvl7pPr marL="2057400" indent="0">
+              <a:buNone/>
+              <a:defRPr sz="1200" b="1"/>
             </a:lvl7pPr>
-            <a:lvl8pPr marL="3200400" indent="0">
-              <a:buNone/>
-              <a:defRPr sz="1600" b="1"/>
+            <a:lvl8pPr marL="2400300" indent="0">
+              <a:buNone/>
+              <a:defRPr sz="1200" b="1"/>
             </a:lvl8pPr>
-            <a:lvl9pPr marL="3657600" indent="0">
-              <a:buNone/>
-              <a:defRPr sz="1600" b="1"/>
+            <a:lvl9pPr marL="2743200" indent="0">
+              <a:buNone/>
+              <a:defRPr sz="1200" b="1"/>
             </a:lvl9pPr>
           </a:lstStyle>
           <a:p>
             <a:pPr lvl="0"/>
             <a:r>
-              <a:rPr lang="en-US" smtClean="0"/>
+              <a:rPr lang="en-US"/>
               <a:t>Click to edit Master text styles</a:t>
             </a:r>
           </a:p>
@@ -1692,76 +1678,75 @@
         </p:nvSpPr>
         <p:spPr>
           <a:xfrm>
-            <a:off x="4645025" y="2174875"/>
-            <a:ext cx="4041775" cy="3951288"/>
+            <a:off x="4645026" y="1631156"/>
+            <a:ext cx="4041775" cy="2963466"/>
           </a:xfrm>
         </p:spPr>
         <p:txBody>
           <a:bodyPr/>
           <a:lstStyle>
             <a:lvl1pPr>
-              <a:defRPr sz="2400"/>
+              <a:defRPr sz="1800"/>
             </a:lvl1pPr>
             <a:lvl2pPr>
-              <a:defRPr sz="2000"/>
+              <a:defRPr sz="1500"/>
             </a:lvl2pPr>
             <a:lvl3pPr>
-              <a:defRPr sz="1800"/>
+              <a:defRPr sz="1350"/>
             </a:lvl3pPr>
             <a:lvl4pPr>
-              <a:defRPr sz="1600"/>
+              <a:defRPr sz="1200"/>
             </a:lvl4pPr>
             <a:lvl5pPr>
-              <a:defRPr sz="1600"/>
+              <a:defRPr sz="1200"/>
             </a:lvl5pPr>
             <a:lvl6pPr>
-              <a:defRPr sz="1600"/>
+              <a:defRPr sz="1200"/>
             </a:lvl6pPr>
             <a:lvl7pPr>
-              <a:defRPr sz="1600"/>
+              <a:defRPr sz="1200"/>
             </a:lvl7pPr>
             <a:lvl8pPr>
-              <a:defRPr sz="1600"/>
+              <a:defRPr sz="1200"/>
             </a:lvl8pPr>
             <a:lvl9pPr>
-              <a:defRPr sz="1600"/>
+              <a:defRPr sz="1200"/>
             </a:lvl9pPr>
           </a:lstStyle>
           <a:p>
             <a:pPr lvl="0"/>
             <a:r>
-              <a:rPr lang="en-US" smtClean="0"/>
+              <a:rPr lang="en-US"/>
               <a:t>Click to edit Master text styles</a:t>
             </a:r>
           </a:p>
           <a:p>
             <a:pPr lvl="1"/>
             <a:r>
-              <a:rPr lang="en-US" smtClean="0"/>
+              <a:rPr lang="en-US"/>
               <a:t>Second level</a:t>
             </a:r>
           </a:p>
           <a:p>
             <a:pPr lvl="2"/>
             <a:r>
-              <a:rPr lang="en-US" smtClean="0"/>
+              <a:rPr lang="en-US"/>
               <a:t>Third level</a:t>
             </a:r>
           </a:p>
           <a:p>
             <a:pPr lvl="3"/>
             <a:r>
-              <a:rPr lang="en-US" smtClean="0"/>
+              <a:rPr lang="en-US"/>
               <a:t>Fourth level</a:t>
             </a:r>
           </a:p>
           <a:p>
             <a:pPr lvl="4"/>
             <a:r>
-              <a:rPr lang="en-US" smtClean="0"/>
+              <a:rPr lang="en-US"/>
               <a:t>Fifth level</a:t>
             </a:r>
-            <a:endParaRPr lang="en-US"/>
           </a:p>
         </p:txBody>
       </p:sp>
@@ -1782,7 +1767,7 @@
           <a:p>
             <a:fld id="{241EB5C9-1307-BA42-ABA2-0BC069CD8E7F}" type="datetimeFigureOut">
               <a:rPr lang="en-US" smtClean="0"/>
-              <a:t>4/5/2019</a:t>
+              <a:t>1/2/22</a:t>
             </a:fld>
             <a:endParaRPr lang="en-US"/>
           </a:p>
@@ -1876,10 +1861,9 @@
           <a:lstStyle/>
           <a:p>
             <a:r>
-              <a:rPr lang="en-US" smtClean="0"/>
+              <a:rPr lang="en-US"/>
               <a:t>Click to edit Master title style</a:t>
             </a:r>
-            <a:endParaRPr lang="en-US"/>
           </a:p>
         </p:txBody>
       </p:sp>
@@ -1900,7 +1884,7 @@
           <a:p>
             <a:fld id="{241EB5C9-1307-BA42-ABA2-0BC069CD8E7F}" type="datetimeFigureOut">
               <a:rPr lang="en-US" smtClean="0"/>
-              <a:t>4/5/2019</a:t>
+              <a:t>1/2/22</a:t>
             </a:fld>
             <a:endParaRPr lang="en-US"/>
           </a:p>
@@ -1995,7 +1979,7 @@
           <a:p>
             <a:fld id="{241EB5C9-1307-BA42-ABA2-0BC069CD8E7F}" type="datetimeFigureOut">
               <a:rPr lang="en-US" smtClean="0"/>
-              <a:t>4/5/2019</a:t>
+              <a:t>1/2/22</a:t>
             </a:fld>
             <a:endParaRPr lang="en-US"/>
           </a:p>
@@ -2085,23 +2069,22 @@
         </p:nvSpPr>
         <p:spPr>
           <a:xfrm>
-            <a:off x="457200" y="273050"/>
-            <a:ext cx="3008313" cy="1162050"/>
+            <a:off x="457201" y="204787"/>
+            <a:ext cx="3008313" cy="871538"/>
           </a:xfrm>
         </p:spPr>
         <p:txBody>
           <a:bodyPr anchor="b"/>
           <a:lstStyle>
             <a:lvl1pPr algn="l">
-              <a:defRPr sz="2000" b="1"/>
+              <a:defRPr sz="1500" b="1"/>
             </a:lvl1pPr>
           </a:lstStyle>
           <a:p>
             <a:r>
-              <a:rPr lang="en-US" smtClean="0"/>
+              <a:rPr lang="en-US"/>
               <a:t>Click to edit Master title style</a:t>
             </a:r>
-            <a:endParaRPr lang="en-US"/>
           </a:p>
         </p:txBody>
       </p:sp>
@@ -2117,76 +2100,75 @@
         </p:nvSpPr>
         <p:spPr>
           <a:xfrm>
-            <a:off x="3575050" y="273050"/>
-            <a:ext cx="5111750" cy="5853113"/>
+            <a:off x="3575050" y="204788"/>
+            <a:ext cx="5111750" cy="4389835"/>
           </a:xfrm>
         </p:spPr>
         <p:txBody>
           <a:bodyPr/>
           <a:lstStyle>
             <a:lvl1pPr>
-              <a:defRPr sz="3200"/>
+              <a:defRPr sz="2400"/>
             </a:lvl1pPr>
             <a:lvl2pPr>
-              <a:defRPr sz="2800"/>
+              <a:defRPr sz="2100"/>
             </a:lvl2pPr>
             <a:lvl3pPr>
-              <a:defRPr sz="2400"/>
+              <a:defRPr sz="1800"/>
             </a:lvl3pPr>
             <a:lvl4pPr>
-              <a:defRPr sz="2000"/>
+              <a:defRPr sz="1500"/>
             </a:lvl4pPr>
             <a:lvl5pPr>
-              <a:defRPr sz="2000"/>
+              <a:defRPr sz="1500"/>
             </a:lvl5pPr>
             <a:lvl6pPr>
-              <a:defRPr sz="2000"/>
+              <a:defRPr sz="1500"/>
             </a:lvl6pPr>
             <a:lvl7pPr>
-              <a:defRPr sz="2000"/>
+              <a:defRPr sz="1500"/>
             </a:lvl7pPr>
             <a:lvl8pPr>
-              <a:defRPr sz="2000"/>
+              <a:defRPr sz="1500"/>
             </a:lvl8pPr>
             <a:lvl9pPr>
-              <a:defRPr sz="2000"/>
+              <a:defRPr sz="1500"/>
             </a:lvl9pPr>
           </a:lstStyle>
           <a:p>
             <a:pPr lvl="0"/>
             <a:r>
-              <a:rPr lang="en-US" smtClean="0"/>
+              <a:rPr lang="en-US"/>
               <a:t>Click to edit Master text styles</a:t>
             </a:r>
           </a:p>
           <a:p>
             <a:pPr lvl="1"/>
             <a:r>
-              <a:rPr lang="en-US" smtClean="0"/>
+              <a:rPr lang="en-US"/>
               <a:t>Second level</a:t>
             </a:r>
           </a:p>
           <a:p>
             <a:pPr lvl="2"/>
             <a:r>
-              <a:rPr lang="en-US" smtClean="0"/>
+              <a:rPr lang="en-US"/>
               <a:t>Third level</a:t>
             </a:r>
           </a:p>
           <a:p>
             <a:pPr lvl="3"/>
             <a:r>
-              <a:rPr lang="en-US" smtClean="0"/>
+              <a:rPr lang="en-US"/>
               <a:t>Fourth level</a:t>
             </a:r>
           </a:p>
           <a:p>
             <a:pPr lvl="4"/>
             <a:r>
-              <a:rPr lang="en-US" smtClean="0"/>
+              <a:rPr lang="en-US"/>
               <a:t>Fifth level</a:t>
             </a:r>
-            <a:endParaRPr lang="en-US"/>
           </a:p>
         </p:txBody>
       </p:sp>
@@ -2202,8 +2184,8 @@
         </p:nvSpPr>
         <p:spPr>
           <a:xfrm>
-            <a:off x="457200" y="1435100"/>
-            <a:ext cx="3008313" cy="4691063"/>
+            <a:off x="457201" y="1076326"/>
+            <a:ext cx="3008313" cy="3518297"/>
           </a:xfrm>
         </p:spPr>
         <p:txBody>
@@ -2211,45 +2193,45 @@
           <a:lstStyle>
             <a:lvl1pPr marL="0" indent="0">
               <a:buNone/>
-              <a:defRPr sz="1400"/>
+              <a:defRPr sz="1050"/>
             </a:lvl1pPr>
-            <a:lvl2pPr marL="457200" indent="0">
-              <a:buNone/>
-              <a:defRPr sz="1200"/>
+            <a:lvl2pPr marL="342900" indent="0">
+              <a:buNone/>
+              <a:defRPr sz="900"/>
             </a:lvl2pPr>
-            <a:lvl3pPr marL="914400" indent="0">
-              <a:buNone/>
-              <a:defRPr sz="1000"/>
+            <a:lvl3pPr marL="685800" indent="0">
+              <a:buNone/>
+              <a:defRPr sz="750"/>
             </a:lvl3pPr>
-            <a:lvl4pPr marL="1371600" indent="0">
-              <a:buNone/>
-              <a:defRPr sz="900"/>
+            <a:lvl4pPr marL="1028700" indent="0">
+              <a:buNone/>
+              <a:defRPr sz="675"/>
             </a:lvl4pPr>
-            <a:lvl5pPr marL="1828800" indent="0">
-              <a:buNone/>
-              <a:defRPr sz="900"/>
+            <a:lvl5pPr marL="1371600" indent="0">
+              <a:buNone/>
+              <a:defRPr sz="675"/>
             </a:lvl5pPr>
-            <a:lvl6pPr marL="2286000" indent="0">
-              <a:buNone/>
-              <a:defRPr sz="900"/>
+            <a:lvl6pPr marL="1714500" indent="0">
+              <a:buNone/>
+              <a:defRPr sz="675"/>
             </a:lvl6pPr>
-            <a:lvl7pPr marL="2743200" indent="0">
-              <a:buNone/>
-              <a:defRPr sz="900"/>
+            <a:lvl7pPr marL="2057400" indent="0">
+              <a:buNone/>
+              <a:defRPr sz="675"/>
             </a:lvl7pPr>
-            <a:lvl8pPr marL="3200400" indent="0">
-              <a:buNone/>
-              <a:defRPr sz="900"/>
+            <a:lvl8pPr marL="2400300" indent="0">
+              <a:buNone/>
+              <a:defRPr sz="675"/>
             </a:lvl8pPr>
-            <a:lvl9pPr marL="3657600" indent="0">
-              <a:buNone/>
-              <a:defRPr sz="900"/>
+            <a:lvl9pPr marL="2743200" indent="0">
+              <a:buNone/>
+              <a:defRPr sz="675"/>
             </a:lvl9pPr>
           </a:lstStyle>
           <a:p>
             <a:pPr lvl="0"/>
             <a:r>
-              <a:rPr lang="en-US" smtClean="0"/>
+              <a:rPr lang="en-US"/>
               <a:t>Click to edit Master text styles</a:t>
             </a:r>
           </a:p>
@@ -2272,7 +2254,7 @@
           <a:p>
             <a:fld id="{241EB5C9-1307-BA42-ABA2-0BC069CD8E7F}" type="datetimeFigureOut">
               <a:rPr lang="en-US" smtClean="0"/>
-              <a:t>4/5/2019</a:t>
+              <a:t>1/2/22</a:t>
             </a:fld>
             <a:endParaRPr lang="en-US"/>
           </a:p>
@@ -2362,23 +2344,22 @@
         </p:nvSpPr>
         <p:spPr>
           <a:xfrm>
-            <a:off x="1792288" y="4800600"/>
-            <a:ext cx="5486400" cy="566738"/>
+            <a:off x="1792288" y="3600450"/>
+            <a:ext cx="5486400" cy="425054"/>
           </a:xfrm>
         </p:spPr>
         <p:txBody>
           <a:bodyPr anchor="b"/>
           <a:lstStyle>
             <a:lvl1pPr algn="l">
-              <a:defRPr sz="2000" b="1"/>
+              <a:defRPr sz="1500" b="1"/>
             </a:lvl1pPr>
           </a:lstStyle>
           <a:p>
             <a:r>
-              <a:rPr lang="en-US" smtClean="0"/>
+              <a:rPr lang="en-US"/>
               <a:t>Click to edit Master title style</a:t>
             </a:r>
-            <a:endParaRPr lang="en-US"/>
           </a:p>
         </p:txBody>
       </p:sp>
@@ -2394,8 +2375,8 @@
         </p:nvSpPr>
         <p:spPr>
           <a:xfrm>
-            <a:off x="1792288" y="612775"/>
-            <a:ext cx="5486400" cy="4114800"/>
+            <a:off x="1792288" y="459581"/>
+            <a:ext cx="5486400" cy="3086100"/>
           </a:xfrm>
         </p:spPr>
         <p:txBody>
@@ -2403,39 +2384,39 @@
           <a:lstStyle>
             <a:lvl1pPr marL="0" indent="0">
               <a:buNone/>
-              <a:defRPr sz="3200"/>
+              <a:defRPr sz="2400"/>
             </a:lvl1pPr>
-            <a:lvl2pPr marL="457200" indent="0">
-              <a:buNone/>
-              <a:defRPr sz="2800"/>
+            <a:lvl2pPr marL="342900" indent="0">
+              <a:buNone/>
+              <a:defRPr sz="2100"/>
             </a:lvl2pPr>
-            <a:lvl3pPr marL="914400" indent="0">
-              <a:buNone/>
-              <a:defRPr sz="2400"/>
+            <a:lvl3pPr marL="685800" indent="0">
+              <a:buNone/>
+              <a:defRPr sz="1800"/>
             </a:lvl3pPr>
-            <a:lvl4pPr marL="1371600" indent="0">
-              <a:buNone/>
-              <a:defRPr sz="2000"/>
+            <a:lvl4pPr marL="1028700" indent="0">
+              <a:buNone/>
+              <a:defRPr sz="1500"/>
             </a:lvl4pPr>
-            <a:lvl5pPr marL="1828800" indent="0">
-              <a:buNone/>
-              <a:defRPr sz="2000"/>
+            <a:lvl5pPr marL="1371600" indent="0">
+              <a:buNone/>
+              <a:defRPr sz="1500"/>
             </a:lvl5pPr>
-            <a:lvl6pPr marL="2286000" indent="0">
-              <a:buNone/>
-              <a:defRPr sz="2000"/>
+            <a:lvl6pPr marL="1714500" indent="0">
+              <a:buNone/>
+              <a:defRPr sz="1500"/>
             </a:lvl6pPr>
-            <a:lvl7pPr marL="2743200" indent="0">
-              <a:buNone/>
-              <a:defRPr sz="2000"/>
+            <a:lvl7pPr marL="2057400" indent="0">
+              <a:buNone/>
+              <a:defRPr sz="1500"/>
             </a:lvl7pPr>
-            <a:lvl8pPr marL="3200400" indent="0">
-              <a:buNone/>
-              <a:defRPr sz="2000"/>
+            <a:lvl8pPr marL="2400300" indent="0">
+              <a:buNone/>
+              <a:defRPr sz="1500"/>
             </a:lvl8pPr>
-            <a:lvl9pPr marL="3657600" indent="0">
-              <a:buNone/>
-              <a:defRPr sz="2000"/>
+            <a:lvl9pPr marL="2743200" indent="0">
+              <a:buNone/>
+              <a:defRPr sz="1500"/>
             </a:lvl9pPr>
           </a:lstStyle>
           <a:p>
@@ -2455,8 +2436,8 @@
         </p:nvSpPr>
         <p:spPr>
           <a:xfrm>
-            <a:off x="1792288" y="5367338"/>
-            <a:ext cx="5486400" cy="804862"/>
+            <a:off x="1792288" y="4025503"/>
+            <a:ext cx="5486400" cy="603647"/>
           </a:xfrm>
         </p:spPr>
         <p:txBody>
@@ -2464,45 +2445,45 @@
           <a:lstStyle>
             <a:lvl1pPr marL="0" indent="0">
               <a:buNone/>
-              <a:defRPr sz="1400"/>
+              <a:defRPr sz="1050"/>
             </a:lvl1pPr>
-            <a:lvl2pPr marL="457200" indent="0">
-              <a:buNone/>
-              <a:defRPr sz="1200"/>
+            <a:lvl2pPr marL="342900" indent="0">
+              <a:buNone/>
+              <a:defRPr sz="900"/>
             </a:lvl2pPr>
-            <a:lvl3pPr marL="914400" indent="0">
-              <a:buNone/>
-              <a:defRPr sz="1000"/>
+            <a:lvl3pPr marL="685800" indent="0">
+              <a:buNone/>
+              <a:defRPr sz="750"/>
             </a:lvl3pPr>
-            <a:lvl4pPr marL="1371600" indent="0">
-              <a:buNone/>
-              <a:defRPr sz="900"/>
+            <a:lvl4pPr marL="1028700" indent="0">
+              <a:buNone/>
+              <a:defRPr sz="675"/>
             </a:lvl4pPr>
-            <a:lvl5pPr marL="1828800" indent="0">
-              <a:buNone/>
-              <a:defRPr sz="900"/>
+            <a:lvl5pPr marL="1371600" indent="0">
+              <a:buNone/>
+              <a:defRPr sz="675"/>
             </a:lvl5pPr>
-            <a:lvl6pPr marL="2286000" indent="0">
-              <a:buNone/>
-              <a:defRPr sz="900"/>
+            <a:lvl6pPr marL="1714500" indent="0">
+              <a:buNone/>
+              <a:defRPr sz="675"/>
             </a:lvl6pPr>
-            <a:lvl7pPr marL="2743200" indent="0">
-              <a:buNone/>
-              <a:defRPr sz="900"/>
+            <a:lvl7pPr marL="2057400" indent="0">
+              <a:buNone/>
+              <a:defRPr sz="675"/>
             </a:lvl7pPr>
-            <a:lvl8pPr marL="3200400" indent="0">
-              <a:buNone/>
-              <a:defRPr sz="900"/>
+            <a:lvl8pPr marL="2400300" indent="0">
+              <a:buNone/>
+              <a:defRPr sz="675"/>
             </a:lvl8pPr>
-            <a:lvl9pPr marL="3657600" indent="0">
-              <a:buNone/>
-              <a:defRPr sz="900"/>
+            <a:lvl9pPr marL="2743200" indent="0">
+              <a:buNone/>
+              <a:defRPr sz="675"/>
             </a:lvl9pPr>
           </a:lstStyle>
           <a:p>
             <a:pPr lvl="0"/>
             <a:r>
-              <a:rPr lang="en-US" smtClean="0"/>
+              <a:rPr lang="en-US"/>
               <a:t>Click to edit Master text styles</a:t>
             </a:r>
           </a:p>
@@ -2525,7 +2506,7 @@
           <a:p>
             <a:fld id="{241EB5C9-1307-BA42-ABA2-0BC069CD8E7F}" type="datetimeFigureOut">
               <a:rPr lang="en-US" smtClean="0"/>
-              <a:t>4/5/2019</a:t>
+              <a:t>1/2/22</a:t>
             </a:fld>
             <a:endParaRPr lang="en-US"/>
           </a:p>
@@ -2620,8 +2601,8 @@
         </p:nvSpPr>
         <p:spPr>
           <a:xfrm>
-            <a:off x="457200" y="274638"/>
-            <a:ext cx="8229600" cy="1143000"/>
+            <a:off x="457200" y="205979"/>
+            <a:ext cx="8229600" cy="857250"/>
           </a:xfrm>
           <a:prstGeom prst="rect">
             <a:avLst/>
@@ -2634,10 +2615,9 @@
           <a:lstStyle/>
           <a:p>
             <a:r>
-              <a:rPr lang="en-US" smtClean="0"/>
+              <a:rPr lang="en-US"/>
               <a:t>Click to edit Master title style</a:t>
             </a:r>
-            <a:endParaRPr lang="en-US"/>
           </a:p>
         </p:txBody>
       </p:sp>
@@ -2653,8 +2633,8 @@
         </p:nvSpPr>
         <p:spPr>
           <a:xfrm>
-            <a:off x="457200" y="1600200"/>
-            <a:ext cx="8229600" cy="4525963"/>
+            <a:off x="457200" y="1200151"/>
+            <a:ext cx="8229600" cy="3394472"/>
           </a:xfrm>
           <a:prstGeom prst="rect">
             <a:avLst/>
@@ -2668,38 +2648,37 @@
           <a:p>
             <a:pPr lvl="0"/>
             <a:r>
-              <a:rPr lang="en-US" smtClean="0"/>
+              <a:rPr lang="en-US"/>
               <a:t>Click to edit Master text styles</a:t>
             </a:r>
           </a:p>
           <a:p>
             <a:pPr lvl="1"/>
             <a:r>
-              <a:rPr lang="en-US" smtClean="0"/>
+              <a:rPr lang="en-US"/>
               <a:t>Second level</a:t>
             </a:r>
           </a:p>
           <a:p>
             <a:pPr lvl="2"/>
             <a:r>
-              <a:rPr lang="en-US" smtClean="0"/>
+              <a:rPr lang="en-US"/>
               <a:t>Third level</a:t>
             </a:r>
           </a:p>
           <a:p>
             <a:pPr lvl="3"/>
             <a:r>
-              <a:rPr lang="en-US" smtClean="0"/>
+              <a:rPr lang="en-US"/>
               <a:t>Fourth level</a:t>
             </a:r>
           </a:p>
           <a:p>
             <a:pPr lvl="4"/>
             <a:r>
-              <a:rPr lang="en-US" smtClean="0"/>
+              <a:rPr lang="en-US"/>
               <a:t>Fifth level</a:t>
             </a:r>
-            <a:endParaRPr lang="en-US"/>
           </a:p>
         </p:txBody>
       </p:sp>
@@ -2715,8 +2694,8 @@
         </p:nvSpPr>
         <p:spPr>
           <a:xfrm>
-            <a:off x="457200" y="6356350"/>
-            <a:ext cx="2133600" cy="365125"/>
+            <a:off x="457200" y="4767263"/>
+            <a:ext cx="2133600" cy="273844"/>
           </a:xfrm>
           <a:prstGeom prst="rect">
             <a:avLst/>
@@ -2726,7 +2705,7 @@
           <a:bodyPr anchor="ctr" bIns="45720" lIns="91440" rIns="91440" rtlCol="0" tIns="45720" vert="horz"/>
           <a:lstStyle>
             <a:lvl1pPr algn="l">
-              <a:defRPr sz="1200">
+              <a:defRPr sz="900">
                 <a:solidFill>
                   <a:schemeClr val="tx1">
                     <a:tint val="75000"/>
@@ -2738,7 +2717,7 @@
           <a:p>
             <a:fld id="{241EB5C9-1307-BA42-ABA2-0BC069CD8E7F}" type="datetimeFigureOut">
               <a:rPr lang="en-US" smtClean="0"/>
-              <a:t>4/5/2019</a:t>
+              <a:t>1/2/22</a:t>
             </a:fld>
             <a:endParaRPr lang="en-US"/>
           </a:p>
@@ -2756,8 +2735,8 @@
         </p:nvSpPr>
         <p:spPr>
           <a:xfrm>
-            <a:off x="3124200" y="6356350"/>
-            <a:ext cx="2895600" cy="365125"/>
+            <a:off x="3124200" y="4767263"/>
+            <a:ext cx="2895600" cy="273844"/>
           </a:xfrm>
           <a:prstGeom prst="rect">
             <a:avLst/>
@@ -2767,7 +2746,7 @@
           <a:bodyPr anchor="ctr" bIns="45720" lIns="91440" rIns="91440" rtlCol="0" tIns="45720" vert="horz"/>
           <a:lstStyle>
             <a:lvl1pPr algn="ctr">
-              <a:defRPr sz="1200">
+              <a:defRPr sz="900">
                 <a:solidFill>
                   <a:schemeClr val="tx1">
                     <a:tint val="75000"/>
@@ -2793,8 +2772,8 @@
         </p:nvSpPr>
         <p:spPr>
           <a:xfrm>
-            <a:off x="6553200" y="6356350"/>
-            <a:ext cx="2133600" cy="365125"/>
+            <a:off x="6553200" y="4767263"/>
+            <a:ext cx="2133600" cy="273844"/>
           </a:xfrm>
           <a:prstGeom prst="rect">
             <a:avLst/>
@@ -2804,7 +2783,7 @@
           <a:bodyPr anchor="ctr" bIns="45720" lIns="91440" rIns="91440" rtlCol="0" tIns="45720" vert="horz"/>
           <a:lstStyle>
             <a:lvl1pPr algn="r">
-              <a:defRPr sz="1200">
+              <a:defRPr sz="900">
                 <a:solidFill>
                   <a:schemeClr val="tx1">
                     <a:tint val="75000"/>
@@ -2845,12 +2824,12 @@
   </p:sldLayoutIdLst>
   <p:txStyles>
     <p:titleStyle>
-      <a:lvl1pPr algn="ctr" defTabSz="457200" eaLnBrk="1" hangingPunct="1" latinLnBrk="0" rtl="0">
+      <a:lvl1pPr algn="ctr" defTabSz="342900" eaLnBrk="1" hangingPunct="1" latinLnBrk="0" rtl="0">
         <a:spcBef>
           <a:spcPct val="0"/>
         </a:spcBef>
         <a:buNone/>
-        <a:defRPr kern="1200" sz="4400">
+        <a:defRPr kern="1200" sz="3300">
           <a:solidFill>
             <a:schemeClr val="tx1"/>
           </a:solidFill>
@@ -2861,37 +2840,7 @@
       </a:lvl1pPr>
     </p:titleStyle>
     <p:bodyStyle>
-      <a:lvl1pPr algn="l" defTabSz="457200" eaLnBrk="1" hangingPunct="1" indent="-457200" latinLnBrk="0" marL="457200" rtl="0">
-        <a:spcBef>
-          <a:spcPct val="20000"/>
-        </a:spcBef>
-        <a:buFont typeface="Arial"/>
-        <a:buChar char="•"/>
-        <a:defRPr kern="1200" sz="3200">
-          <a:solidFill>
-            <a:schemeClr val="tx1"/>
-          </a:solidFill>
-          <a:latin typeface="+mn-lt"/>
-          <a:ea typeface="+mn-ea"/>
-          <a:cs typeface="+mn-cs"/>
-        </a:defRPr>
-      </a:lvl1pPr>
-      <a:lvl2pPr algn="l" defTabSz="457200" eaLnBrk="1" hangingPunct="1" indent="-457200" latinLnBrk="0" marL="914400" rtl="0">
-        <a:spcBef>
-          <a:spcPct val="20000"/>
-        </a:spcBef>
-        <a:buFont typeface="Arial"/>
-        <a:buChar char="–"/>
-        <a:defRPr kern="1200" sz="2800">
-          <a:solidFill>
-            <a:schemeClr val="tx1"/>
-          </a:solidFill>
-          <a:latin typeface="+mn-lt"/>
-          <a:ea typeface="+mn-ea"/>
-          <a:cs typeface="+mn-cs"/>
-        </a:defRPr>
-      </a:lvl2pPr>
-      <a:lvl3pPr algn="l" defTabSz="457200" eaLnBrk="1" hangingPunct="1" indent="-457200" latinLnBrk="0" marL="1371600" rtl="0">
+      <a:lvl1pPr algn="l" defTabSz="342900" eaLnBrk="1" hangingPunct="1" indent="-342900" latinLnBrk="0" marL="342900" rtl="0">
         <a:spcBef>
           <a:spcPct val="20000"/>
         </a:spcBef>
@@ -2905,14 +2854,44 @@
           <a:ea typeface="+mn-ea"/>
           <a:cs typeface="+mn-cs"/>
         </a:defRPr>
-      </a:lvl3pPr>
-      <a:lvl4pPr algn="l" defTabSz="457200" eaLnBrk="1" hangingPunct="1" indent="-457200" latinLnBrk="0" marL="1828800" rtl="0">
+      </a:lvl1pPr>
+      <a:lvl2pPr algn="l" defTabSz="342900" eaLnBrk="1" hangingPunct="1" indent="-342900" latinLnBrk="0" marL="685800" rtl="0">
         <a:spcBef>
           <a:spcPct val="20000"/>
         </a:spcBef>
         <a:buFont typeface="Arial"/>
         <a:buChar char="–"/>
-        <a:defRPr kern="1200" sz="2000">
+        <a:defRPr kern="1200" sz="2100">
+          <a:solidFill>
+            <a:schemeClr val="tx1"/>
+          </a:solidFill>
+          <a:latin typeface="+mn-lt"/>
+          <a:ea typeface="+mn-ea"/>
+          <a:cs typeface="+mn-cs"/>
+        </a:defRPr>
+      </a:lvl2pPr>
+      <a:lvl3pPr algn="l" defTabSz="342900" eaLnBrk="1" hangingPunct="1" indent="-342900" latinLnBrk="0" marL="1028700" rtl="0">
+        <a:spcBef>
+          <a:spcPct val="20000"/>
+        </a:spcBef>
+        <a:buFont typeface="Arial"/>
+        <a:buChar char="•"/>
+        <a:defRPr kern="1200" sz="1800">
+          <a:solidFill>
+            <a:schemeClr val="tx1"/>
+          </a:solidFill>
+          <a:latin typeface="+mn-lt"/>
+          <a:ea typeface="+mn-ea"/>
+          <a:cs typeface="+mn-cs"/>
+        </a:defRPr>
+      </a:lvl3pPr>
+      <a:lvl4pPr algn="l" defTabSz="342900" eaLnBrk="1" hangingPunct="1" indent="-342900" latinLnBrk="0" marL="1371600" rtl="0">
+        <a:spcBef>
+          <a:spcPct val="20000"/>
+        </a:spcBef>
+        <a:buFont typeface="Arial"/>
+        <a:buChar char="–"/>
+        <a:defRPr kern="1200" sz="1500">
           <a:solidFill>
             <a:schemeClr val="tx1"/>
           </a:solidFill>
@@ -2921,13 +2900,13 @@
           <a:cs typeface="+mn-cs"/>
         </a:defRPr>
       </a:lvl4pPr>
-      <a:lvl5pPr algn="l" defTabSz="457200" eaLnBrk="1" hangingPunct="1" indent="-457200" latinLnBrk="0" marL="2286000" rtl="0">
+      <a:lvl5pPr algn="l" defTabSz="342900" eaLnBrk="1" hangingPunct="1" indent="-342900" latinLnBrk="0" marL="1714500" rtl="0">
         <a:spcBef>
           <a:spcPct val="20000"/>
         </a:spcBef>
         <a:buFont typeface="Arial"/>
         <a:buChar char="»"/>
-        <a:defRPr kern="1200" sz="2000">
+        <a:defRPr kern="1200" sz="1500">
           <a:solidFill>
             <a:schemeClr val="tx1"/>
           </a:solidFill>
@@ -2936,13 +2915,13 @@
           <a:cs typeface="+mn-cs"/>
         </a:defRPr>
       </a:lvl5pPr>
-      <a:lvl6pPr algn="l" defTabSz="457200" eaLnBrk="1" hangingPunct="1" indent="-457200" latinLnBrk="0" marL="2743200" rtl="0">
+      <a:lvl6pPr algn="l" defTabSz="342900" eaLnBrk="1" hangingPunct="1" indent="-342900" latinLnBrk="0" marL="2057400" rtl="0">
         <a:spcBef>
           <a:spcPct val="20000"/>
         </a:spcBef>
         <a:buFont typeface="Arial"/>
         <a:buChar char="•"/>
-        <a:defRPr kern="1200" sz="2000">
+        <a:defRPr kern="1200" sz="1500">
           <a:solidFill>
             <a:schemeClr val="tx1"/>
           </a:solidFill>
@@ -2951,13 +2930,13 @@
           <a:cs typeface="+mn-cs"/>
         </a:defRPr>
       </a:lvl6pPr>
-      <a:lvl7pPr algn="l" defTabSz="457200" eaLnBrk="1" hangingPunct="1" indent="-457200" latinLnBrk="0" marL="3200400" rtl="0">
+      <a:lvl7pPr algn="l" defTabSz="342900" eaLnBrk="1" hangingPunct="1" indent="-342900" latinLnBrk="0" marL="2400300" rtl="0">
         <a:spcBef>
           <a:spcPct val="20000"/>
         </a:spcBef>
         <a:buFont typeface="Arial"/>
         <a:buChar char="•"/>
-        <a:defRPr kern="1200" sz="2000">
+        <a:defRPr kern="1200" sz="1500">
           <a:solidFill>
             <a:schemeClr val="tx1"/>
           </a:solidFill>
@@ -2966,13 +2945,13 @@
           <a:cs typeface="+mn-cs"/>
         </a:defRPr>
       </a:lvl7pPr>
-      <a:lvl8pPr algn="l" defTabSz="457200" eaLnBrk="1" hangingPunct="1" indent="-457200" latinLnBrk="0" marL="3657600" rtl="0">
+      <a:lvl8pPr algn="l" defTabSz="342900" eaLnBrk="1" hangingPunct="1" indent="-342900" latinLnBrk="0" marL="2743200" rtl="0">
         <a:spcBef>
           <a:spcPct val="20000"/>
         </a:spcBef>
         <a:buFont typeface="Arial"/>
         <a:buChar char="•"/>
-        <a:defRPr kern="1200" sz="2000">
+        <a:defRPr kern="1200" sz="1500">
           <a:solidFill>
             <a:schemeClr val="tx1"/>
           </a:solidFill>
@@ -2981,13 +2960,13 @@
           <a:cs typeface="+mn-cs"/>
         </a:defRPr>
       </a:lvl8pPr>
-      <a:lvl9pPr algn="l" defTabSz="457200" eaLnBrk="1" hangingPunct="1" indent="-457200" latinLnBrk="0" marL="4114800" rtl="0">
+      <a:lvl9pPr algn="l" defTabSz="342900" eaLnBrk="1" hangingPunct="1" indent="-342900" latinLnBrk="0" marL="3086100" rtl="0">
         <a:spcBef>
           <a:spcPct val="20000"/>
         </a:spcBef>
         <a:buFont typeface="Arial"/>
         <a:buChar char="•"/>
-        <a:defRPr kern="1200" sz="2000">
+        <a:defRPr kern="1200" sz="1500">
           <a:solidFill>
             <a:schemeClr val="tx1"/>
           </a:solidFill>
@@ -3001,8 +2980,8 @@
       <a:defPPr>
         <a:defRPr lang="en-US"/>
       </a:defPPr>
-      <a:lvl1pPr algn="l" defTabSz="457200" eaLnBrk="1" hangingPunct="1" latinLnBrk="0" marL="0" rtl="0">
-        <a:defRPr kern="1200" sz="1800">
+      <a:lvl1pPr algn="l" defTabSz="342900" eaLnBrk="1" hangingPunct="1" latinLnBrk="0" marL="0" rtl="0">
+        <a:defRPr kern="1200" sz="1350">
           <a:solidFill>
             <a:schemeClr val="tx1"/>
           </a:solidFill>
@@ -3011,8 +2990,8 @@
           <a:cs typeface="+mn-cs"/>
         </a:defRPr>
       </a:lvl1pPr>
-      <a:lvl2pPr algn="l" defTabSz="457200" eaLnBrk="1" hangingPunct="1" latinLnBrk="0" marL="457200" rtl="0">
-        <a:defRPr kern="1200" sz="1800">
+      <a:lvl2pPr algn="l" defTabSz="342900" eaLnBrk="1" hangingPunct="1" latinLnBrk="0" marL="342900" rtl="0">
+        <a:defRPr kern="1200" sz="1350">
           <a:solidFill>
             <a:schemeClr val="tx1"/>
           </a:solidFill>
@@ -3021,8 +3000,8 @@
           <a:cs typeface="+mn-cs"/>
         </a:defRPr>
       </a:lvl2pPr>
-      <a:lvl3pPr algn="l" defTabSz="457200" eaLnBrk="1" hangingPunct="1" latinLnBrk="0" marL="914400" rtl="0">
-        <a:defRPr kern="1200" sz="1800">
+      <a:lvl3pPr algn="l" defTabSz="342900" eaLnBrk="1" hangingPunct="1" latinLnBrk="0" marL="685800" rtl="0">
+        <a:defRPr kern="1200" sz="1350">
           <a:solidFill>
             <a:schemeClr val="tx1"/>
           </a:solidFill>
@@ -3031,8 +3010,8 @@
           <a:cs typeface="+mn-cs"/>
         </a:defRPr>
       </a:lvl3pPr>
-      <a:lvl4pPr algn="l" defTabSz="457200" eaLnBrk="1" hangingPunct="1" latinLnBrk="0" marL="1371600" rtl="0">
-        <a:defRPr kern="1200" sz="1800">
+      <a:lvl4pPr algn="l" defTabSz="342900" eaLnBrk="1" hangingPunct="1" latinLnBrk="0" marL="1028700" rtl="0">
+        <a:defRPr kern="1200" sz="1350">
           <a:solidFill>
             <a:schemeClr val="tx1"/>
           </a:solidFill>
@@ -3041,8 +3020,8 @@
           <a:cs typeface="+mn-cs"/>
         </a:defRPr>
       </a:lvl4pPr>
-      <a:lvl5pPr algn="l" defTabSz="457200" eaLnBrk="1" hangingPunct="1" latinLnBrk="0" marL="1828800" rtl="0">
-        <a:defRPr kern="1200" sz="1800">
+      <a:lvl5pPr algn="l" defTabSz="342900" eaLnBrk="1" hangingPunct="1" latinLnBrk="0" marL="1371600" rtl="0">
+        <a:defRPr kern="1200" sz="1350">
           <a:solidFill>
             <a:schemeClr val="tx1"/>
           </a:solidFill>
@@ -3051,8 +3030,8 @@
           <a:cs typeface="+mn-cs"/>
         </a:defRPr>
       </a:lvl5pPr>
-      <a:lvl6pPr algn="l" defTabSz="457200" eaLnBrk="1" hangingPunct="1" latinLnBrk="0" marL="2286000" rtl="0">
-        <a:defRPr kern="1200" sz="1800">
+      <a:lvl6pPr algn="l" defTabSz="342900" eaLnBrk="1" hangingPunct="1" latinLnBrk="0" marL="1714500" rtl="0">
+        <a:defRPr kern="1200" sz="1350">
           <a:solidFill>
             <a:schemeClr val="tx1"/>
           </a:solidFill>
@@ -3061,8 +3040,8 @@
           <a:cs typeface="+mn-cs"/>
         </a:defRPr>
       </a:lvl6pPr>
-      <a:lvl7pPr algn="l" defTabSz="457200" eaLnBrk="1" hangingPunct="1" latinLnBrk="0" marL="2743200" rtl="0">
-        <a:defRPr kern="1200" sz="1800">
+      <a:lvl7pPr algn="l" defTabSz="342900" eaLnBrk="1" hangingPunct="1" latinLnBrk="0" marL="2057400" rtl="0">
+        <a:defRPr kern="1200" sz="1350">
           <a:solidFill>
             <a:schemeClr val="tx1"/>
           </a:solidFill>
@@ -3071,8 +3050,8 @@
           <a:cs typeface="+mn-cs"/>
         </a:defRPr>
       </a:lvl7pPr>
-      <a:lvl8pPr algn="l" defTabSz="457200" eaLnBrk="1" hangingPunct="1" latinLnBrk="0" marL="3200400" rtl="0">
-        <a:defRPr kern="1200" sz="1800">
+      <a:lvl8pPr algn="l" defTabSz="342900" eaLnBrk="1" hangingPunct="1" latinLnBrk="0" marL="2400300" rtl="0">
+        <a:defRPr kern="1200" sz="1350">
           <a:solidFill>
             <a:schemeClr val="tx1"/>
           </a:solidFill>
@@ -3081,8 +3060,8 @@
           <a:cs typeface="+mn-cs"/>
         </a:defRPr>
       </a:lvl8pPr>
-      <a:lvl9pPr algn="l" defTabSz="457200" eaLnBrk="1" hangingPunct="1" latinLnBrk="0" marL="3657600" rtl="0">
-        <a:defRPr kern="1200" sz="1800">
+      <a:lvl9pPr algn="l" defTabSz="342900" eaLnBrk="1" hangingPunct="1" latinLnBrk="0" marL="2743200" rtl="0">
+        <a:defRPr kern="1200" sz="1350">
           <a:solidFill>
             <a:schemeClr val="tx1"/>
           </a:solidFill>
